--- a/Troy Tech - Presentation/TROY - Kağan.pptx
+++ b/Troy Tech - Presentation/TROY - Kağan.pptx
@@ -5,24 +5,21 @@
     <p:sldMasterId id="2147483648" r:id="rId1"/>
   </p:sldMasterIdLst>
   <p:notesMasterIdLst>
-    <p:notesMasterId r:id="rId17"/>
+    <p:notesMasterId r:id="rId14"/>
   </p:notesMasterIdLst>
   <p:sldIdLst>
     <p:sldId id="257" r:id="rId2"/>
     <p:sldId id="258" r:id="rId3"/>
-    <p:sldId id="259" r:id="rId4"/>
-    <p:sldId id="272" r:id="rId5"/>
-    <p:sldId id="260" r:id="rId6"/>
-    <p:sldId id="261" r:id="rId7"/>
+    <p:sldId id="272" r:id="rId4"/>
+    <p:sldId id="260" r:id="rId5"/>
+    <p:sldId id="261" r:id="rId6"/>
+    <p:sldId id="273" r:id="rId7"/>
     <p:sldId id="262" r:id="rId8"/>
     <p:sldId id="263" r:id="rId9"/>
-    <p:sldId id="264" r:id="rId10"/>
-    <p:sldId id="265" r:id="rId11"/>
-    <p:sldId id="268" r:id="rId12"/>
-    <p:sldId id="269" r:id="rId13"/>
-    <p:sldId id="270" r:id="rId14"/>
-    <p:sldId id="271" r:id="rId15"/>
-    <p:sldId id="267" r:id="rId16"/>
+    <p:sldId id="275" r:id="rId10"/>
+    <p:sldId id="264" r:id="rId11"/>
+    <p:sldId id="271" r:id="rId12"/>
+    <p:sldId id="267" r:id="rId13"/>
   </p:sldIdLst>
   <p:sldSz cx="12192000" cy="6858000"/>
   <p:notesSz cx="6858000" cy="9144000"/>
@@ -3873,6 +3870,39 @@
           <a:chExt cx="0" cy="0"/>
         </a:xfrm>
       </p:grpSpPr>
+      <p:sp>
+        <p:nvSpPr>
+          <p:cNvPr id="2" name="Unvan 1">
+            <a:extLst>
+              <a:ext uri="{FF2B5EF4-FFF2-40B4-BE49-F238E27FC236}">
+                <a16:creationId xmlns:a16="http://schemas.microsoft.com/office/drawing/2014/main" id="{47ADBC36-5277-4EFF-AE38-8791389B8D41}"/>
+              </a:ext>
+            </a:extLst>
+          </p:cNvPr>
+          <p:cNvSpPr>
+            <a:spLocks noGrp="1"/>
+          </p:cNvSpPr>
+          <p:nvPr>
+            <p:ph type="title"/>
+          </p:nvPr>
+        </p:nvSpPr>
+        <p:spPr/>
+        <p:txBody>
+          <a:bodyPr/>
+          <a:lstStyle/>
+          <a:p>
+            <a:r>
+              <a:rPr lang="tr-TR" dirty="0" err="1"/>
+              <a:t>Communication</a:t>
+            </a:r>
+            <a:r>
+              <a:rPr lang="tr-TR" dirty="0"/>
+              <a:t> Protocol</a:t>
+            </a:r>
+            <a:endParaRPr lang="en-GB" dirty="0"/>
+          </a:p>
+        </p:txBody>
+      </p:sp>
       <p:pic>
         <p:nvPicPr>
           <p:cNvPr id="4" name="Resim 3">
@@ -3888,7 +3918,116 @@
           <p:nvPr/>
         </p:nvPicPr>
         <p:blipFill>
+          <a:blip r:embed="rId2">
+            <a:extLst>
+              <a:ext uri="{28A0092B-C50C-407E-A947-70E740481C1C}">
+                <a14:useLocalDpi xmlns:a14="http://schemas.microsoft.com/office/drawing/2010/main" val="0"/>
+              </a:ext>
+            </a:extLst>
+          </a:blip>
+          <a:stretch>
+            <a:fillRect/>
+          </a:stretch>
+        </p:blipFill>
+        <p:spPr>
+          <a:xfrm>
+            <a:off x="0" y="6115031"/>
+            <a:ext cx="12192000" cy="742969"/>
+          </a:xfrm>
+          <a:prstGeom prst="rect">
+            <a:avLst/>
+          </a:prstGeom>
+        </p:spPr>
+      </p:pic>
+      <p:pic>
+        <p:nvPicPr>
+          <p:cNvPr id="11" name="Picture 38" descr="https://lh3.googleusercontent.com/Ty3FycAIkvXZ0WxCCCTr35eGegDpxXFVTlyPiVnQSjHSqTEFoOXxm3rGc-TC-WnNBT5JiYq6J4e4WQfQoeyjclByePdeZtKqrzwtO-TMZL69ZpVjOr3y0eeApwnfG9WNO_tgjfYu">
+            <a:extLst>
+              <a:ext uri="{FF2B5EF4-FFF2-40B4-BE49-F238E27FC236}">
+                <a16:creationId xmlns:a16="http://schemas.microsoft.com/office/drawing/2014/main" id="{CE61921D-1D95-46E1-AF87-E6507C0539C3}"/>
+              </a:ext>
+            </a:extLst>
+          </p:cNvPr>
+          <p:cNvPicPr>
+            <a:picLocks noGrp="1"/>
+          </p:cNvPicPr>
+          <p:nvPr>
+            <p:ph idx="1"/>
+          </p:nvPr>
+        </p:nvPicPr>
+        <p:blipFill>
           <a:blip r:embed="rId3">
+            <a:extLst>
+              <a:ext uri="{28A0092B-C50C-407E-A947-70E740481C1C}">
+                <a14:useLocalDpi xmlns:a14="http://schemas.microsoft.com/office/drawing/2010/main" val="0"/>
+              </a:ext>
+            </a:extLst>
+          </a:blip>
+          <a:srcRect/>
+          <a:stretch>
+            <a:fillRect/>
+          </a:stretch>
+        </p:blipFill>
+        <p:spPr bwMode="auto">
+          <a:xfrm>
+            <a:off x="2305050" y="2075407"/>
+            <a:ext cx="7581900" cy="2781300"/>
+          </a:xfrm>
+          <a:prstGeom prst="rect">
+            <a:avLst/>
+          </a:prstGeom>
+          <a:noFill/>
+          <a:ln>
+            <a:noFill/>
+          </a:ln>
+        </p:spPr>
+      </p:pic>
+    </p:spTree>
+    <p:extLst>
+      <p:ext uri="{BB962C8B-B14F-4D97-AF65-F5344CB8AC3E}">
+        <p14:creationId xmlns:p14="http://schemas.microsoft.com/office/powerpoint/2010/main" val="2965226361"/>
+      </p:ext>
+    </p:extLst>
+  </p:cSld>
+  <p:clrMapOvr>
+    <a:masterClrMapping/>
+  </p:clrMapOvr>
+</p:sld>
+</file>
+
+<file path=ppt/slides/slide11.xml><?xml version="1.0" encoding="utf-8"?>
+<p:sld xmlns:a="http://schemas.openxmlformats.org/drawingml/2006/main" xmlns:r="http://schemas.openxmlformats.org/officeDocument/2006/relationships" xmlns:p="http://schemas.openxmlformats.org/presentationml/2006/main">
+  <p:cSld>
+    <p:spTree>
+      <p:nvGrpSpPr>
+        <p:cNvPr id="1" name=""/>
+        <p:cNvGrpSpPr/>
+        <p:nvPr/>
+      </p:nvGrpSpPr>
+      <p:grpSpPr>
+        <a:xfrm>
+          <a:off x="0" y="0"/>
+          <a:ext cx="0" cy="0"/>
+          <a:chOff x="0" y="0"/>
+          <a:chExt cx="0" cy="0"/>
+        </a:xfrm>
+      </p:grpSpPr>
+      <p:pic>
+        <p:nvPicPr>
+          <p:cNvPr id="4" name="Resim 3">
+            <a:extLst>
+              <a:ext uri="{FF2B5EF4-FFF2-40B4-BE49-F238E27FC236}">
+                <a16:creationId xmlns:a16="http://schemas.microsoft.com/office/drawing/2014/main" id="{77D5D1C2-FAF4-424A-8EBA-C88AB557596E}"/>
+              </a:ext>
+            </a:extLst>
+          </p:cNvPr>
+          <p:cNvPicPr>
+            <a:picLocks noChangeAspect="1"/>
+          </p:cNvPicPr>
+          <p:nvPr/>
+        </p:nvPicPr>
+        <p:blipFill>
+          <a:blip r:embed="rId2">
             <a:extLst>
               <a:ext uri="{28A0092B-C50C-407E-A947-70E740481C1C}">
                 <a14:useLocalDpi xmlns:a14="http://schemas.microsoft.com/office/drawing/2010/main" val="0"/>
@@ -3926,7 +4065,7 @@
           </p:nvPr>
         </p:nvPicPr>
         <p:blipFill rotWithShape="1">
-          <a:blip r:embed="rId4">
+          <a:blip r:embed="rId3">
             <a:extLst>
               <a:ext uri="{28A0092B-C50C-407E-A947-70E740481C1C}">
                 <a14:useLocalDpi xmlns:a14="http://schemas.microsoft.com/office/drawing/2010/main" val="0"/>
@@ -3938,7 +4077,7 @@
         </p:blipFill>
         <p:spPr bwMode="auto">
           <a:xfrm>
-            <a:off x="2043793" y="609600"/>
+            <a:off x="2043793" y="908775"/>
             <a:ext cx="7439841" cy="862150"/>
           </a:xfrm>
           <a:prstGeom prst="rect">
@@ -4145,6 +4284,9 @@
             <a:endParaRPr lang="tr-TR" sz="1600" b="1" dirty="0"/>
           </a:p>
           <a:p>
+            <a:endParaRPr lang="tr-TR" sz="1600" b="1" dirty="0"/>
+          </a:p>
+          <a:p>
             <a:r>
               <a:rPr lang="en-US" sz="1600" b="1" dirty="0"/>
               <a:t>Preamble:</a:t>
@@ -4160,9 +4302,67 @@
             <a:endParaRPr lang="en-GB" sz="1800" dirty="0"/>
           </a:p>
           <a:p>
-            <a:pPr marL="457200" lvl="1" indent="0">
-              <a:buNone/>
-            </a:pPr>
+            <a:r>
+              <a:rPr lang="en-US" sz="1600" b="1" dirty="0"/>
+              <a:t>Address:</a:t>
+            </a:r>
+            <a:r>
+              <a:rPr lang="en-US" sz="1600" dirty="0"/>
+              <a:t> Shows the network pipe address.</a:t>
+            </a:r>
+            <a:endParaRPr lang="en-GB" sz="1800" dirty="0"/>
+          </a:p>
+          <a:p>
+            <a:r>
+              <a:rPr lang="en-US" sz="1600" b="1" dirty="0"/>
+              <a:t>Packet Control: </a:t>
+            </a:r>
+            <a:r>
+              <a:rPr lang="en-US" sz="1600" dirty="0"/>
+              <a:t> Section for related settings.</a:t>
+            </a:r>
+            <a:endParaRPr lang="en-GB" sz="1800" dirty="0"/>
+          </a:p>
+          <a:p>
+            <a:r>
+              <a:rPr lang="en-US" sz="1600" b="1" dirty="0"/>
+              <a:t>Payload: </a:t>
+            </a:r>
+            <a:r>
+              <a:rPr lang="en-US" sz="1600" dirty="0"/>
+              <a:t>Sending data is stored inside</a:t>
+            </a:r>
+            <a:r>
+              <a:rPr lang="tr-TR" sz="1600" dirty="0"/>
+              <a:t>. </a:t>
+            </a:r>
+            <a:r>
+              <a:rPr lang="tr-TR" sz="1600" dirty="0" err="1"/>
+              <a:t>Upon</a:t>
+            </a:r>
+            <a:r>
+              <a:rPr lang="tr-TR" sz="1600" dirty="0"/>
+              <a:t> 32 </a:t>
+            </a:r>
+            <a:r>
+              <a:rPr lang="tr-TR" sz="1600" dirty="0" err="1"/>
+              <a:t>byte</a:t>
+            </a:r>
+            <a:r>
+              <a:rPr lang="en-US" sz="1600" dirty="0"/>
+              <a:t>. </a:t>
+            </a:r>
+            <a:endParaRPr lang="tr-TR" sz="1600" dirty="0"/>
+          </a:p>
+          <a:p>
+            <a:r>
+              <a:rPr lang="en-US" sz="1600" b="1" dirty="0"/>
+              <a:t>CRC: </a:t>
+            </a:r>
+            <a:r>
+              <a:rPr lang="en-US" sz="1600" dirty="0"/>
+              <a:t>Cyclic redundancy check for error detection. </a:t>
+            </a:r>
             <a:endParaRPr lang="en-GB" sz="1400" dirty="0"/>
           </a:p>
         </p:txBody>
@@ -4170,338 +4370,7 @@
     </p:spTree>
     <p:extLst>
       <p:ext uri="{BB962C8B-B14F-4D97-AF65-F5344CB8AC3E}">
-        <p14:creationId xmlns:p14="http://schemas.microsoft.com/office/powerpoint/2010/main" val="2354468215"/>
-      </p:ext>
-    </p:extLst>
-  </p:cSld>
-  <p:clrMapOvr>
-    <a:masterClrMapping/>
-  </p:clrMapOvr>
-</p:sld>
-</file>
-
-<file path=ppt/slides/slide11.xml><?xml version="1.0" encoding="utf-8"?>
-<p:sld xmlns:a="http://schemas.openxmlformats.org/drawingml/2006/main" xmlns:r="http://schemas.openxmlformats.org/officeDocument/2006/relationships" xmlns:p="http://schemas.openxmlformats.org/presentationml/2006/main">
-  <p:cSld>
-    <p:spTree>
-      <p:nvGrpSpPr>
-        <p:cNvPr id="1" name=""/>
-        <p:cNvGrpSpPr/>
-        <p:nvPr/>
-      </p:nvGrpSpPr>
-      <p:grpSpPr>
-        <a:xfrm>
-          <a:off x="0" y="0"/>
-          <a:ext cx="0" cy="0"/>
-          <a:chOff x="0" y="0"/>
-          <a:chExt cx="0" cy="0"/>
-        </a:xfrm>
-      </p:grpSpPr>
-      <p:pic>
-        <p:nvPicPr>
-          <p:cNvPr id="4" name="Resim 3">
-            <a:extLst>
-              <a:ext uri="{FF2B5EF4-FFF2-40B4-BE49-F238E27FC236}">
-                <a16:creationId xmlns:a16="http://schemas.microsoft.com/office/drawing/2014/main" id="{77D5D1C2-FAF4-424A-8EBA-C88AB557596E}"/>
-              </a:ext>
-            </a:extLst>
-          </p:cNvPr>
-          <p:cNvPicPr>
-            <a:picLocks noChangeAspect="1"/>
-          </p:cNvPicPr>
-          <p:nvPr/>
-        </p:nvPicPr>
-        <p:blipFill>
-          <a:blip r:embed="rId3">
-            <a:extLst>
-              <a:ext uri="{28A0092B-C50C-407E-A947-70E740481C1C}">
-                <a14:useLocalDpi xmlns:a14="http://schemas.microsoft.com/office/drawing/2010/main" val="0"/>
-              </a:ext>
-            </a:extLst>
-          </a:blip>
-          <a:stretch>
-            <a:fillRect/>
-          </a:stretch>
-        </p:blipFill>
-        <p:spPr>
-          <a:xfrm>
-            <a:off x="0" y="6115031"/>
-            <a:ext cx="12192000" cy="742969"/>
-          </a:xfrm>
-          <a:prstGeom prst="rect">
-            <a:avLst/>
-          </a:prstGeom>
-        </p:spPr>
-      </p:pic>
-      <p:pic>
-        <p:nvPicPr>
-          <p:cNvPr id="5" name="Picture 38" descr="https://lh3.googleusercontent.com/Ty3FycAIkvXZ0WxCCCTr35eGegDpxXFVTlyPiVnQSjHSqTEFoOXxm3rGc-TC-WnNBT5JiYq6J4e4WQfQoeyjclByePdeZtKqrzwtO-TMZL69ZpVjOr3y0eeApwnfG9WNO_tgjfYu">
-            <a:extLst>
-              <a:ext uri="{FF2B5EF4-FFF2-40B4-BE49-F238E27FC236}">
-                <a16:creationId xmlns:a16="http://schemas.microsoft.com/office/drawing/2014/main" id="{EE4B1703-47FC-4CA2-A1BB-B1098D20B041}"/>
-              </a:ext>
-            </a:extLst>
-          </p:cNvPr>
-          <p:cNvPicPr>
-            <a:picLocks noGrp="1"/>
-          </p:cNvPicPr>
-          <p:nvPr>
-            <p:ph idx="1"/>
-          </p:nvPr>
-        </p:nvPicPr>
-        <p:blipFill rotWithShape="1">
-          <a:blip r:embed="rId4">
-            <a:extLst>
-              <a:ext uri="{28A0092B-C50C-407E-A947-70E740481C1C}">
-                <a14:useLocalDpi xmlns:a14="http://schemas.microsoft.com/office/drawing/2010/main" val="0"/>
-              </a:ext>
-            </a:extLst>
-          </a:blip>
-          <a:srcRect t="7584" r="1873" b="61418"/>
-          <a:stretch/>
-        </p:blipFill>
-        <p:spPr bwMode="auto">
-          <a:xfrm>
-            <a:off x="2043793" y="609600"/>
-            <a:ext cx="7439841" cy="862150"/>
-          </a:xfrm>
-          <a:prstGeom prst="rect">
-            <a:avLst/>
-          </a:prstGeom>
-          <a:noFill/>
-          <a:ln>
-            <a:noFill/>
-          </a:ln>
-        </p:spPr>
-      </p:pic>
-      <p:sp>
-        <p:nvSpPr>
-          <p:cNvPr id="6" name="İçerik Yer Tutucusu 2">
-            <a:extLst>
-              <a:ext uri="{FF2B5EF4-FFF2-40B4-BE49-F238E27FC236}">
-                <a16:creationId xmlns:a16="http://schemas.microsoft.com/office/drawing/2014/main" id="{5C8A4DEA-289C-4F5C-AD88-9E4825781421}"/>
-              </a:ext>
-            </a:extLst>
-          </p:cNvPr>
-          <p:cNvSpPr txBox="1">
-            <a:spLocks/>
-          </p:cNvSpPr>
-          <p:nvPr/>
-        </p:nvSpPr>
-        <p:spPr>
-          <a:xfrm>
-            <a:off x="838199" y="1825625"/>
-            <a:ext cx="10552611" cy="3317856"/>
-          </a:xfrm>
-          <a:prstGeom prst="rect">
-            <a:avLst/>
-          </a:prstGeom>
-        </p:spPr>
-        <p:txBody>
-          <a:bodyPr vert="horz" lIns="91440" tIns="45720" rIns="91440" bIns="45720" rtlCol="0">
-            <a:normAutofit/>
-          </a:bodyPr>
-          <a:lstStyle>
-            <a:lvl1pPr marL="228600" indent="-228600" algn="l" defTabSz="914400" rtl="0" eaLnBrk="1" latinLnBrk="0" hangingPunct="1">
-              <a:lnSpc>
-                <a:spcPct val="90000"/>
-              </a:lnSpc>
-              <a:spcBef>
-                <a:spcPts val="1000"/>
-              </a:spcBef>
-              <a:buFont typeface="Arial" panose="020B0604020202020204" pitchFamily="34" charset="0"/>
-              <a:buChar char="•"/>
-              <a:defRPr sz="2800" kern="1200">
-                <a:solidFill>
-                  <a:schemeClr val="tx1"/>
-                </a:solidFill>
-                <a:latin typeface="+mn-lt"/>
-                <a:ea typeface="+mn-ea"/>
-                <a:cs typeface="+mn-cs"/>
-              </a:defRPr>
-            </a:lvl1pPr>
-            <a:lvl2pPr marL="685800" indent="-228600" algn="l" defTabSz="914400" rtl="0" eaLnBrk="1" latinLnBrk="0" hangingPunct="1">
-              <a:lnSpc>
-                <a:spcPct val="90000"/>
-              </a:lnSpc>
-              <a:spcBef>
-                <a:spcPts val="500"/>
-              </a:spcBef>
-              <a:buFont typeface="Arial" panose="020B0604020202020204" pitchFamily="34" charset="0"/>
-              <a:buChar char="•"/>
-              <a:defRPr sz="2400" kern="1200">
-                <a:solidFill>
-                  <a:schemeClr val="tx1"/>
-                </a:solidFill>
-                <a:latin typeface="+mn-lt"/>
-                <a:ea typeface="+mn-ea"/>
-                <a:cs typeface="+mn-cs"/>
-              </a:defRPr>
-            </a:lvl2pPr>
-            <a:lvl3pPr marL="1143000" indent="-228600" algn="l" defTabSz="914400" rtl="0" eaLnBrk="1" latinLnBrk="0" hangingPunct="1">
-              <a:lnSpc>
-                <a:spcPct val="90000"/>
-              </a:lnSpc>
-              <a:spcBef>
-                <a:spcPts val="500"/>
-              </a:spcBef>
-              <a:buFont typeface="Arial" panose="020B0604020202020204" pitchFamily="34" charset="0"/>
-              <a:buChar char="•"/>
-              <a:defRPr sz="2000" kern="1200">
-                <a:solidFill>
-                  <a:schemeClr val="tx1"/>
-                </a:solidFill>
-                <a:latin typeface="+mn-lt"/>
-                <a:ea typeface="+mn-ea"/>
-                <a:cs typeface="+mn-cs"/>
-              </a:defRPr>
-            </a:lvl3pPr>
-            <a:lvl4pPr marL="1600200" indent="-228600" algn="l" defTabSz="914400" rtl="0" eaLnBrk="1" latinLnBrk="0" hangingPunct="1">
-              <a:lnSpc>
-                <a:spcPct val="90000"/>
-              </a:lnSpc>
-              <a:spcBef>
-                <a:spcPts val="500"/>
-              </a:spcBef>
-              <a:buFont typeface="Arial" panose="020B0604020202020204" pitchFamily="34" charset="0"/>
-              <a:buChar char="•"/>
-              <a:defRPr sz="1800" kern="1200">
-                <a:solidFill>
-                  <a:schemeClr val="tx1"/>
-                </a:solidFill>
-                <a:latin typeface="+mn-lt"/>
-                <a:ea typeface="+mn-ea"/>
-                <a:cs typeface="+mn-cs"/>
-              </a:defRPr>
-            </a:lvl4pPr>
-            <a:lvl5pPr marL="2057400" indent="-228600" algn="l" defTabSz="914400" rtl="0" eaLnBrk="1" latinLnBrk="0" hangingPunct="1">
-              <a:lnSpc>
-                <a:spcPct val="90000"/>
-              </a:lnSpc>
-              <a:spcBef>
-                <a:spcPts val="500"/>
-              </a:spcBef>
-              <a:buFont typeface="Arial" panose="020B0604020202020204" pitchFamily="34" charset="0"/>
-              <a:buChar char="•"/>
-              <a:defRPr sz="1800" kern="1200">
-                <a:solidFill>
-                  <a:schemeClr val="tx1"/>
-                </a:solidFill>
-                <a:latin typeface="+mn-lt"/>
-                <a:ea typeface="+mn-ea"/>
-                <a:cs typeface="+mn-cs"/>
-              </a:defRPr>
-            </a:lvl5pPr>
-            <a:lvl6pPr marL="2514600" indent="-228600" algn="l" defTabSz="914400" rtl="0" eaLnBrk="1" latinLnBrk="0" hangingPunct="1">
-              <a:lnSpc>
-                <a:spcPct val="90000"/>
-              </a:lnSpc>
-              <a:spcBef>
-                <a:spcPts val="500"/>
-              </a:spcBef>
-              <a:buFont typeface="Arial" panose="020B0604020202020204" pitchFamily="34" charset="0"/>
-              <a:buChar char="•"/>
-              <a:defRPr sz="1800" kern="1200">
-                <a:solidFill>
-                  <a:schemeClr val="tx1"/>
-                </a:solidFill>
-                <a:latin typeface="+mn-lt"/>
-                <a:ea typeface="+mn-ea"/>
-                <a:cs typeface="+mn-cs"/>
-              </a:defRPr>
-            </a:lvl6pPr>
-            <a:lvl7pPr marL="2971800" indent="-228600" algn="l" defTabSz="914400" rtl="0" eaLnBrk="1" latinLnBrk="0" hangingPunct="1">
-              <a:lnSpc>
-                <a:spcPct val="90000"/>
-              </a:lnSpc>
-              <a:spcBef>
-                <a:spcPts val="500"/>
-              </a:spcBef>
-              <a:buFont typeface="Arial" panose="020B0604020202020204" pitchFamily="34" charset="0"/>
-              <a:buChar char="•"/>
-              <a:defRPr sz="1800" kern="1200">
-                <a:solidFill>
-                  <a:schemeClr val="tx1"/>
-                </a:solidFill>
-                <a:latin typeface="+mn-lt"/>
-                <a:ea typeface="+mn-ea"/>
-                <a:cs typeface="+mn-cs"/>
-              </a:defRPr>
-            </a:lvl7pPr>
-            <a:lvl8pPr marL="3429000" indent="-228600" algn="l" defTabSz="914400" rtl="0" eaLnBrk="1" latinLnBrk="0" hangingPunct="1">
-              <a:lnSpc>
-                <a:spcPct val="90000"/>
-              </a:lnSpc>
-              <a:spcBef>
-                <a:spcPts val="500"/>
-              </a:spcBef>
-              <a:buFont typeface="Arial" panose="020B0604020202020204" pitchFamily="34" charset="0"/>
-              <a:buChar char="•"/>
-              <a:defRPr sz="1800" kern="1200">
-                <a:solidFill>
-                  <a:schemeClr val="tx1"/>
-                </a:solidFill>
-                <a:latin typeface="+mn-lt"/>
-                <a:ea typeface="+mn-ea"/>
-                <a:cs typeface="+mn-cs"/>
-              </a:defRPr>
-            </a:lvl8pPr>
-            <a:lvl9pPr marL="3886200" indent="-228600" algn="l" defTabSz="914400" rtl="0" eaLnBrk="1" latinLnBrk="0" hangingPunct="1">
-              <a:lnSpc>
-                <a:spcPct val="90000"/>
-              </a:lnSpc>
-              <a:spcBef>
-                <a:spcPts val="500"/>
-              </a:spcBef>
-              <a:buFont typeface="Arial" panose="020B0604020202020204" pitchFamily="34" charset="0"/>
-              <a:buChar char="•"/>
-              <a:defRPr sz="1800" kern="1200">
-                <a:solidFill>
-                  <a:schemeClr val="tx1"/>
-                </a:solidFill>
-                <a:latin typeface="+mn-lt"/>
-                <a:ea typeface="+mn-ea"/>
-                <a:cs typeface="+mn-cs"/>
-              </a:defRPr>
-            </a:lvl9pPr>
-          </a:lstStyle>
-          <a:p>
-            <a:endParaRPr lang="tr-TR" sz="1600" b="1" dirty="0"/>
-          </a:p>
-          <a:p>
-            <a:r>
-              <a:rPr lang="en-US" sz="1600" b="1" dirty="0"/>
-              <a:t>Preamble:</a:t>
-            </a:r>
-            <a:r>
-              <a:rPr lang="en-US" sz="1600" dirty="0"/>
-              <a:t> Shows beginning of a packet</a:t>
-            </a:r>
-            <a:endParaRPr lang="en-GB" sz="1800" dirty="0"/>
-          </a:p>
-          <a:p>
-            <a:r>
-              <a:rPr lang="en-US" sz="1600" b="1" dirty="0"/>
-              <a:t>Address:</a:t>
-            </a:r>
-            <a:r>
-              <a:rPr lang="en-US" sz="1600" dirty="0"/>
-              <a:t> Shows the network pipe address. </a:t>
-            </a:r>
-            <a:endParaRPr lang="en-GB" sz="1800" dirty="0"/>
-          </a:p>
-          <a:p>
-            <a:pPr marL="457200" lvl="1" indent="0">
-              <a:buNone/>
-            </a:pPr>
-            <a:endParaRPr lang="en-GB" sz="1400" dirty="0"/>
-          </a:p>
-        </p:txBody>
-      </p:sp>
-    </p:spTree>
-    <p:extLst>
-      <p:ext uri="{BB962C8B-B14F-4D97-AF65-F5344CB8AC3E}">
-        <p14:creationId xmlns:p14="http://schemas.microsoft.com/office/powerpoint/2010/main" val="1393743620"/>
+        <p14:creationId xmlns:p14="http://schemas.microsoft.com/office/powerpoint/2010/main" val="3582147298"/>
       </p:ext>
     </p:extLst>
   </p:cSld>
@@ -4528,1165 +4397,69 @@
           <a:chExt cx="0" cy="0"/>
         </a:xfrm>
       </p:grpSpPr>
+      <p:sp>
+        <p:nvSpPr>
+          <p:cNvPr id="2" name="Unvan 1">
+            <a:extLst>
+              <a:ext uri="{FF2B5EF4-FFF2-40B4-BE49-F238E27FC236}">
+                <a16:creationId xmlns:a16="http://schemas.microsoft.com/office/drawing/2014/main" id="{47ADBC36-5277-4EFF-AE38-8791389B8D41}"/>
+              </a:ext>
+            </a:extLst>
+          </p:cNvPr>
+          <p:cNvSpPr>
+            <a:spLocks noGrp="1"/>
+          </p:cNvSpPr>
+          <p:nvPr>
+            <p:ph type="title"/>
+          </p:nvPr>
+        </p:nvSpPr>
+        <p:spPr/>
+        <p:txBody>
+          <a:bodyPr/>
+          <a:lstStyle/>
+          <a:p>
+            <a:r>
+              <a:rPr lang="tr-TR" dirty="0"/>
+              <a:t>User Side</a:t>
+            </a:r>
+            <a:endParaRPr lang="en-GB" dirty="0"/>
+          </a:p>
+        </p:txBody>
+      </p:sp>
       <p:pic>
         <p:nvPicPr>
-          <p:cNvPr id="4" name="Resim 3">
-            <a:extLst>
-              <a:ext uri="{FF2B5EF4-FFF2-40B4-BE49-F238E27FC236}">
-                <a16:creationId xmlns:a16="http://schemas.microsoft.com/office/drawing/2014/main" id="{77D5D1C2-FAF4-424A-8EBA-C88AB557596E}"/>
+          <p:cNvPr id="6" name="İçerik Yer Tutucusu 5" descr="gök, iç mekan içeren bir resim&#10;&#10;Yüksek güvenilirlikle oluşturulmuş açıklama">
+            <a:extLst>
+              <a:ext uri="{FF2B5EF4-FFF2-40B4-BE49-F238E27FC236}">
+                <a16:creationId xmlns:a16="http://schemas.microsoft.com/office/drawing/2014/main" id="{493E0D7A-B1F0-4563-ACE0-1C4A168C6BE9}"/>
               </a:ext>
             </a:extLst>
           </p:cNvPr>
           <p:cNvPicPr>
-            <a:picLocks noChangeAspect="1"/>
+            <a:picLocks noGrp="1" noChangeAspect="1"/>
           </p:cNvPicPr>
-          <p:nvPr/>
+          <p:nvPr>
+            <p:ph idx="1"/>
+          </p:nvPr>
         </p:nvPicPr>
-        <p:blipFill>
-          <a:blip r:embed="rId3">
+        <p:blipFill rotWithShape="1">
+          <a:blip r:embed="rId2">
             <a:extLst>
               <a:ext uri="{28A0092B-C50C-407E-A947-70E740481C1C}">
                 <a14:useLocalDpi xmlns:a14="http://schemas.microsoft.com/office/drawing/2010/main" val="0"/>
               </a:ext>
             </a:extLst>
           </a:blip>
-          <a:stretch>
-            <a:fillRect/>
-          </a:stretch>
+          <a:srcRect t="9679" r="667"/>
+          <a:stretch/>
         </p:blipFill>
         <p:spPr>
           <a:xfrm>
-            <a:off x="0" y="6115031"/>
-            <a:ext cx="12192000" cy="742969"/>
+            <a:off x="3934834" y="1690688"/>
+            <a:ext cx="4322332" cy="3930152"/>
           </a:xfrm>
-          <a:prstGeom prst="rect">
-            <a:avLst/>
-          </a:prstGeom>
         </p:spPr>
       </p:pic>
-      <p:pic>
-        <p:nvPicPr>
-          <p:cNvPr id="5" name="Picture 38" descr="https://lh3.googleusercontent.com/Ty3FycAIkvXZ0WxCCCTr35eGegDpxXFVTlyPiVnQSjHSqTEFoOXxm3rGc-TC-WnNBT5JiYq6J4e4WQfQoeyjclByePdeZtKqrzwtO-TMZL69ZpVjOr3y0eeApwnfG9WNO_tgjfYu">
-            <a:extLst>
-              <a:ext uri="{FF2B5EF4-FFF2-40B4-BE49-F238E27FC236}">
-                <a16:creationId xmlns:a16="http://schemas.microsoft.com/office/drawing/2014/main" id="{EE4B1703-47FC-4CA2-A1BB-B1098D20B041}"/>
-              </a:ext>
-            </a:extLst>
-          </p:cNvPr>
-          <p:cNvPicPr>
-            <a:picLocks noGrp="1"/>
-          </p:cNvPicPr>
-          <p:nvPr>
-            <p:ph idx="1"/>
-          </p:nvPr>
-        </p:nvPicPr>
-        <p:blipFill rotWithShape="1">
-          <a:blip r:embed="rId4">
-            <a:extLst>
-              <a:ext uri="{28A0092B-C50C-407E-A947-70E740481C1C}">
-                <a14:useLocalDpi xmlns:a14="http://schemas.microsoft.com/office/drawing/2010/main" val="0"/>
-              </a:ext>
-            </a:extLst>
-          </a:blip>
-          <a:srcRect t="7584" r="1873" b="61418"/>
-          <a:stretch/>
-        </p:blipFill>
-        <p:spPr bwMode="auto">
-          <a:xfrm>
-            <a:off x="2043793" y="609600"/>
-            <a:ext cx="7439841" cy="862150"/>
-          </a:xfrm>
-          <a:prstGeom prst="rect">
-            <a:avLst/>
-          </a:prstGeom>
-          <a:noFill/>
-          <a:ln>
-            <a:noFill/>
-          </a:ln>
-        </p:spPr>
-      </p:pic>
-      <p:sp>
-        <p:nvSpPr>
-          <p:cNvPr id="6" name="İçerik Yer Tutucusu 2">
-            <a:extLst>
-              <a:ext uri="{FF2B5EF4-FFF2-40B4-BE49-F238E27FC236}">
-                <a16:creationId xmlns:a16="http://schemas.microsoft.com/office/drawing/2014/main" id="{5C8A4DEA-289C-4F5C-AD88-9E4825781421}"/>
-              </a:ext>
-            </a:extLst>
-          </p:cNvPr>
-          <p:cNvSpPr txBox="1">
-            <a:spLocks/>
-          </p:cNvSpPr>
-          <p:nvPr/>
-        </p:nvSpPr>
-        <p:spPr>
-          <a:xfrm>
-            <a:off x="838199" y="1825625"/>
-            <a:ext cx="10552611" cy="3317856"/>
-          </a:xfrm>
-          <a:prstGeom prst="rect">
-            <a:avLst/>
-          </a:prstGeom>
-        </p:spPr>
-        <p:txBody>
-          <a:bodyPr vert="horz" lIns="91440" tIns="45720" rIns="91440" bIns="45720" rtlCol="0">
-            <a:normAutofit/>
-          </a:bodyPr>
-          <a:lstStyle>
-            <a:lvl1pPr marL="228600" indent="-228600" algn="l" defTabSz="914400" rtl="0" eaLnBrk="1" latinLnBrk="0" hangingPunct="1">
-              <a:lnSpc>
-                <a:spcPct val="90000"/>
-              </a:lnSpc>
-              <a:spcBef>
-                <a:spcPts val="1000"/>
-              </a:spcBef>
-              <a:buFont typeface="Arial" panose="020B0604020202020204" pitchFamily="34" charset="0"/>
-              <a:buChar char="•"/>
-              <a:defRPr sz="2800" kern="1200">
-                <a:solidFill>
-                  <a:schemeClr val="tx1"/>
-                </a:solidFill>
-                <a:latin typeface="+mn-lt"/>
-                <a:ea typeface="+mn-ea"/>
-                <a:cs typeface="+mn-cs"/>
-              </a:defRPr>
-            </a:lvl1pPr>
-            <a:lvl2pPr marL="685800" indent="-228600" algn="l" defTabSz="914400" rtl="0" eaLnBrk="1" latinLnBrk="0" hangingPunct="1">
-              <a:lnSpc>
-                <a:spcPct val="90000"/>
-              </a:lnSpc>
-              <a:spcBef>
-                <a:spcPts val="500"/>
-              </a:spcBef>
-              <a:buFont typeface="Arial" panose="020B0604020202020204" pitchFamily="34" charset="0"/>
-              <a:buChar char="•"/>
-              <a:defRPr sz="2400" kern="1200">
-                <a:solidFill>
-                  <a:schemeClr val="tx1"/>
-                </a:solidFill>
-                <a:latin typeface="+mn-lt"/>
-                <a:ea typeface="+mn-ea"/>
-                <a:cs typeface="+mn-cs"/>
-              </a:defRPr>
-            </a:lvl2pPr>
-            <a:lvl3pPr marL="1143000" indent="-228600" algn="l" defTabSz="914400" rtl="0" eaLnBrk="1" latinLnBrk="0" hangingPunct="1">
-              <a:lnSpc>
-                <a:spcPct val="90000"/>
-              </a:lnSpc>
-              <a:spcBef>
-                <a:spcPts val="500"/>
-              </a:spcBef>
-              <a:buFont typeface="Arial" panose="020B0604020202020204" pitchFamily="34" charset="0"/>
-              <a:buChar char="•"/>
-              <a:defRPr sz="2000" kern="1200">
-                <a:solidFill>
-                  <a:schemeClr val="tx1"/>
-                </a:solidFill>
-                <a:latin typeface="+mn-lt"/>
-                <a:ea typeface="+mn-ea"/>
-                <a:cs typeface="+mn-cs"/>
-              </a:defRPr>
-            </a:lvl3pPr>
-            <a:lvl4pPr marL="1600200" indent="-228600" algn="l" defTabSz="914400" rtl="0" eaLnBrk="1" latinLnBrk="0" hangingPunct="1">
-              <a:lnSpc>
-                <a:spcPct val="90000"/>
-              </a:lnSpc>
-              <a:spcBef>
-                <a:spcPts val="500"/>
-              </a:spcBef>
-              <a:buFont typeface="Arial" panose="020B0604020202020204" pitchFamily="34" charset="0"/>
-              <a:buChar char="•"/>
-              <a:defRPr sz="1800" kern="1200">
-                <a:solidFill>
-                  <a:schemeClr val="tx1"/>
-                </a:solidFill>
-                <a:latin typeface="+mn-lt"/>
-                <a:ea typeface="+mn-ea"/>
-                <a:cs typeface="+mn-cs"/>
-              </a:defRPr>
-            </a:lvl4pPr>
-            <a:lvl5pPr marL="2057400" indent="-228600" algn="l" defTabSz="914400" rtl="0" eaLnBrk="1" latinLnBrk="0" hangingPunct="1">
-              <a:lnSpc>
-                <a:spcPct val="90000"/>
-              </a:lnSpc>
-              <a:spcBef>
-                <a:spcPts val="500"/>
-              </a:spcBef>
-              <a:buFont typeface="Arial" panose="020B0604020202020204" pitchFamily="34" charset="0"/>
-              <a:buChar char="•"/>
-              <a:defRPr sz="1800" kern="1200">
-                <a:solidFill>
-                  <a:schemeClr val="tx1"/>
-                </a:solidFill>
-                <a:latin typeface="+mn-lt"/>
-                <a:ea typeface="+mn-ea"/>
-                <a:cs typeface="+mn-cs"/>
-              </a:defRPr>
-            </a:lvl5pPr>
-            <a:lvl6pPr marL="2514600" indent="-228600" algn="l" defTabSz="914400" rtl="0" eaLnBrk="1" latinLnBrk="0" hangingPunct="1">
-              <a:lnSpc>
-                <a:spcPct val="90000"/>
-              </a:lnSpc>
-              <a:spcBef>
-                <a:spcPts val="500"/>
-              </a:spcBef>
-              <a:buFont typeface="Arial" panose="020B0604020202020204" pitchFamily="34" charset="0"/>
-              <a:buChar char="•"/>
-              <a:defRPr sz="1800" kern="1200">
-                <a:solidFill>
-                  <a:schemeClr val="tx1"/>
-                </a:solidFill>
-                <a:latin typeface="+mn-lt"/>
-                <a:ea typeface="+mn-ea"/>
-                <a:cs typeface="+mn-cs"/>
-              </a:defRPr>
-            </a:lvl6pPr>
-            <a:lvl7pPr marL="2971800" indent="-228600" algn="l" defTabSz="914400" rtl="0" eaLnBrk="1" latinLnBrk="0" hangingPunct="1">
-              <a:lnSpc>
-                <a:spcPct val="90000"/>
-              </a:lnSpc>
-              <a:spcBef>
-                <a:spcPts val="500"/>
-              </a:spcBef>
-              <a:buFont typeface="Arial" panose="020B0604020202020204" pitchFamily="34" charset="0"/>
-              <a:buChar char="•"/>
-              <a:defRPr sz="1800" kern="1200">
-                <a:solidFill>
-                  <a:schemeClr val="tx1"/>
-                </a:solidFill>
-                <a:latin typeface="+mn-lt"/>
-                <a:ea typeface="+mn-ea"/>
-                <a:cs typeface="+mn-cs"/>
-              </a:defRPr>
-            </a:lvl7pPr>
-            <a:lvl8pPr marL="3429000" indent="-228600" algn="l" defTabSz="914400" rtl="0" eaLnBrk="1" latinLnBrk="0" hangingPunct="1">
-              <a:lnSpc>
-                <a:spcPct val="90000"/>
-              </a:lnSpc>
-              <a:spcBef>
-                <a:spcPts val="500"/>
-              </a:spcBef>
-              <a:buFont typeface="Arial" panose="020B0604020202020204" pitchFamily="34" charset="0"/>
-              <a:buChar char="•"/>
-              <a:defRPr sz="1800" kern="1200">
-                <a:solidFill>
-                  <a:schemeClr val="tx1"/>
-                </a:solidFill>
-                <a:latin typeface="+mn-lt"/>
-                <a:ea typeface="+mn-ea"/>
-                <a:cs typeface="+mn-cs"/>
-              </a:defRPr>
-            </a:lvl8pPr>
-            <a:lvl9pPr marL="3886200" indent="-228600" algn="l" defTabSz="914400" rtl="0" eaLnBrk="1" latinLnBrk="0" hangingPunct="1">
-              <a:lnSpc>
-                <a:spcPct val="90000"/>
-              </a:lnSpc>
-              <a:spcBef>
-                <a:spcPts val="500"/>
-              </a:spcBef>
-              <a:buFont typeface="Arial" panose="020B0604020202020204" pitchFamily="34" charset="0"/>
-              <a:buChar char="•"/>
-              <a:defRPr sz="1800" kern="1200">
-                <a:solidFill>
-                  <a:schemeClr val="tx1"/>
-                </a:solidFill>
-                <a:latin typeface="+mn-lt"/>
-                <a:ea typeface="+mn-ea"/>
-                <a:cs typeface="+mn-cs"/>
-              </a:defRPr>
-            </a:lvl9pPr>
-          </a:lstStyle>
-          <a:p>
-            <a:endParaRPr lang="tr-TR" sz="1600" b="1" dirty="0"/>
-          </a:p>
-          <a:p>
-            <a:r>
-              <a:rPr lang="en-US" sz="1600" b="1" dirty="0"/>
-              <a:t>Preamble:</a:t>
-            </a:r>
-            <a:r>
-              <a:rPr lang="en-US" sz="1600" dirty="0"/>
-              <a:t> Shows beginning of a packet</a:t>
-            </a:r>
-            <a:endParaRPr lang="en-GB" sz="1800" dirty="0"/>
-          </a:p>
-          <a:p>
-            <a:r>
-              <a:rPr lang="en-US" sz="1600" b="1" dirty="0"/>
-              <a:t>Address:</a:t>
-            </a:r>
-            <a:r>
-              <a:rPr lang="en-US" sz="1600" dirty="0"/>
-              <a:t> Shows the network pipe address. </a:t>
-            </a:r>
-            <a:endParaRPr lang="tr-TR" sz="1600" dirty="0"/>
-          </a:p>
-          <a:p>
-            <a:r>
-              <a:rPr lang="en-US" sz="1600" b="1" dirty="0"/>
-              <a:t>Packet Control: </a:t>
-            </a:r>
-            <a:r>
-              <a:rPr lang="en-US" sz="1600" dirty="0"/>
-              <a:t> Section for related settings.</a:t>
-            </a:r>
-            <a:endParaRPr lang="en-GB" sz="1800" dirty="0"/>
-          </a:p>
-          <a:p>
-            <a:pPr lvl="1"/>
-            <a:endParaRPr lang="en-GB" sz="1400" dirty="0"/>
-          </a:p>
-        </p:txBody>
-      </p:sp>
-    </p:spTree>
-    <p:extLst>
-      <p:ext uri="{BB962C8B-B14F-4D97-AF65-F5344CB8AC3E}">
-        <p14:creationId xmlns:p14="http://schemas.microsoft.com/office/powerpoint/2010/main" val="1312570849"/>
-      </p:ext>
-    </p:extLst>
-  </p:cSld>
-  <p:clrMapOvr>
-    <a:masterClrMapping/>
-  </p:clrMapOvr>
-</p:sld>
-</file>
-
-<file path=ppt/slides/slide13.xml><?xml version="1.0" encoding="utf-8"?>
-<p:sld xmlns:a="http://schemas.openxmlformats.org/drawingml/2006/main" xmlns:r="http://schemas.openxmlformats.org/officeDocument/2006/relationships" xmlns:p="http://schemas.openxmlformats.org/presentationml/2006/main">
-  <p:cSld>
-    <p:spTree>
-      <p:nvGrpSpPr>
-        <p:cNvPr id="1" name=""/>
-        <p:cNvGrpSpPr/>
-        <p:nvPr/>
-      </p:nvGrpSpPr>
-      <p:grpSpPr>
-        <a:xfrm>
-          <a:off x="0" y="0"/>
-          <a:ext cx="0" cy="0"/>
-          <a:chOff x="0" y="0"/>
-          <a:chExt cx="0" cy="0"/>
-        </a:xfrm>
-      </p:grpSpPr>
-      <p:pic>
-        <p:nvPicPr>
-          <p:cNvPr id="4" name="Resim 3">
-            <a:extLst>
-              <a:ext uri="{FF2B5EF4-FFF2-40B4-BE49-F238E27FC236}">
-                <a16:creationId xmlns:a16="http://schemas.microsoft.com/office/drawing/2014/main" id="{77D5D1C2-FAF4-424A-8EBA-C88AB557596E}"/>
-              </a:ext>
-            </a:extLst>
-          </p:cNvPr>
-          <p:cNvPicPr>
-            <a:picLocks noChangeAspect="1"/>
-          </p:cNvPicPr>
-          <p:nvPr/>
-        </p:nvPicPr>
-        <p:blipFill>
-          <a:blip r:embed="rId3">
-            <a:extLst>
-              <a:ext uri="{28A0092B-C50C-407E-A947-70E740481C1C}">
-                <a14:useLocalDpi xmlns:a14="http://schemas.microsoft.com/office/drawing/2010/main" val="0"/>
-              </a:ext>
-            </a:extLst>
-          </a:blip>
-          <a:stretch>
-            <a:fillRect/>
-          </a:stretch>
-        </p:blipFill>
-        <p:spPr>
-          <a:xfrm>
-            <a:off x="0" y="6115031"/>
-            <a:ext cx="12192000" cy="742969"/>
-          </a:xfrm>
-          <a:prstGeom prst="rect">
-            <a:avLst/>
-          </a:prstGeom>
-        </p:spPr>
-      </p:pic>
-      <p:pic>
-        <p:nvPicPr>
-          <p:cNvPr id="5" name="Picture 38" descr="https://lh3.googleusercontent.com/Ty3FycAIkvXZ0WxCCCTr35eGegDpxXFVTlyPiVnQSjHSqTEFoOXxm3rGc-TC-WnNBT5JiYq6J4e4WQfQoeyjclByePdeZtKqrzwtO-TMZL69ZpVjOr3y0eeApwnfG9WNO_tgjfYu">
-            <a:extLst>
-              <a:ext uri="{FF2B5EF4-FFF2-40B4-BE49-F238E27FC236}">
-                <a16:creationId xmlns:a16="http://schemas.microsoft.com/office/drawing/2014/main" id="{EE4B1703-47FC-4CA2-A1BB-B1098D20B041}"/>
-              </a:ext>
-            </a:extLst>
-          </p:cNvPr>
-          <p:cNvPicPr>
-            <a:picLocks noGrp="1"/>
-          </p:cNvPicPr>
-          <p:nvPr>
-            <p:ph idx="1"/>
-          </p:nvPr>
-        </p:nvPicPr>
-        <p:blipFill rotWithShape="1">
-          <a:blip r:embed="rId4">
-            <a:extLst>
-              <a:ext uri="{28A0092B-C50C-407E-A947-70E740481C1C}">
-                <a14:useLocalDpi xmlns:a14="http://schemas.microsoft.com/office/drawing/2010/main" val="0"/>
-              </a:ext>
-            </a:extLst>
-          </a:blip>
-          <a:srcRect t="7584" r="1873" b="61418"/>
-          <a:stretch/>
-        </p:blipFill>
-        <p:spPr bwMode="auto">
-          <a:xfrm>
-            <a:off x="2043793" y="609600"/>
-            <a:ext cx="7439841" cy="862150"/>
-          </a:xfrm>
-          <a:prstGeom prst="rect">
-            <a:avLst/>
-          </a:prstGeom>
-          <a:noFill/>
-          <a:ln>
-            <a:noFill/>
-          </a:ln>
-        </p:spPr>
-      </p:pic>
-      <p:sp>
-        <p:nvSpPr>
-          <p:cNvPr id="6" name="İçerik Yer Tutucusu 2">
-            <a:extLst>
-              <a:ext uri="{FF2B5EF4-FFF2-40B4-BE49-F238E27FC236}">
-                <a16:creationId xmlns:a16="http://schemas.microsoft.com/office/drawing/2014/main" id="{5C8A4DEA-289C-4F5C-AD88-9E4825781421}"/>
-              </a:ext>
-            </a:extLst>
-          </p:cNvPr>
-          <p:cNvSpPr txBox="1">
-            <a:spLocks/>
-          </p:cNvSpPr>
-          <p:nvPr/>
-        </p:nvSpPr>
-        <p:spPr>
-          <a:xfrm>
-            <a:off x="838199" y="1825625"/>
-            <a:ext cx="10552611" cy="3317856"/>
-          </a:xfrm>
-          <a:prstGeom prst="rect">
-            <a:avLst/>
-          </a:prstGeom>
-        </p:spPr>
-        <p:txBody>
-          <a:bodyPr vert="horz" lIns="91440" tIns="45720" rIns="91440" bIns="45720" rtlCol="0">
-            <a:normAutofit/>
-          </a:bodyPr>
-          <a:lstStyle>
-            <a:lvl1pPr marL="228600" indent="-228600" algn="l" defTabSz="914400" rtl="0" eaLnBrk="1" latinLnBrk="0" hangingPunct="1">
-              <a:lnSpc>
-                <a:spcPct val="90000"/>
-              </a:lnSpc>
-              <a:spcBef>
-                <a:spcPts val="1000"/>
-              </a:spcBef>
-              <a:buFont typeface="Arial" panose="020B0604020202020204" pitchFamily="34" charset="0"/>
-              <a:buChar char="•"/>
-              <a:defRPr sz="2800" kern="1200">
-                <a:solidFill>
-                  <a:schemeClr val="tx1"/>
-                </a:solidFill>
-                <a:latin typeface="+mn-lt"/>
-                <a:ea typeface="+mn-ea"/>
-                <a:cs typeface="+mn-cs"/>
-              </a:defRPr>
-            </a:lvl1pPr>
-            <a:lvl2pPr marL="685800" indent="-228600" algn="l" defTabSz="914400" rtl="0" eaLnBrk="1" latinLnBrk="0" hangingPunct="1">
-              <a:lnSpc>
-                <a:spcPct val="90000"/>
-              </a:lnSpc>
-              <a:spcBef>
-                <a:spcPts val="500"/>
-              </a:spcBef>
-              <a:buFont typeface="Arial" panose="020B0604020202020204" pitchFamily="34" charset="0"/>
-              <a:buChar char="•"/>
-              <a:defRPr sz="2400" kern="1200">
-                <a:solidFill>
-                  <a:schemeClr val="tx1"/>
-                </a:solidFill>
-                <a:latin typeface="+mn-lt"/>
-                <a:ea typeface="+mn-ea"/>
-                <a:cs typeface="+mn-cs"/>
-              </a:defRPr>
-            </a:lvl2pPr>
-            <a:lvl3pPr marL="1143000" indent="-228600" algn="l" defTabSz="914400" rtl="0" eaLnBrk="1" latinLnBrk="0" hangingPunct="1">
-              <a:lnSpc>
-                <a:spcPct val="90000"/>
-              </a:lnSpc>
-              <a:spcBef>
-                <a:spcPts val="500"/>
-              </a:spcBef>
-              <a:buFont typeface="Arial" panose="020B0604020202020204" pitchFamily="34" charset="0"/>
-              <a:buChar char="•"/>
-              <a:defRPr sz="2000" kern="1200">
-                <a:solidFill>
-                  <a:schemeClr val="tx1"/>
-                </a:solidFill>
-                <a:latin typeface="+mn-lt"/>
-                <a:ea typeface="+mn-ea"/>
-                <a:cs typeface="+mn-cs"/>
-              </a:defRPr>
-            </a:lvl3pPr>
-            <a:lvl4pPr marL="1600200" indent="-228600" algn="l" defTabSz="914400" rtl="0" eaLnBrk="1" latinLnBrk="0" hangingPunct="1">
-              <a:lnSpc>
-                <a:spcPct val="90000"/>
-              </a:lnSpc>
-              <a:spcBef>
-                <a:spcPts val="500"/>
-              </a:spcBef>
-              <a:buFont typeface="Arial" panose="020B0604020202020204" pitchFamily="34" charset="0"/>
-              <a:buChar char="•"/>
-              <a:defRPr sz="1800" kern="1200">
-                <a:solidFill>
-                  <a:schemeClr val="tx1"/>
-                </a:solidFill>
-                <a:latin typeface="+mn-lt"/>
-                <a:ea typeface="+mn-ea"/>
-                <a:cs typeface="+mn-cs"/>
-              </a:defRPr>
-            </a:lvl4pPr>
-            <a:lvl5pPr marL="2057400" indent="-228600" algn="l" defTabSz="914400" rtl="0" eaLnBrk="1" latinLnBrk="0" hangingPunct="1">
-              <a:lnSpc>
-                <a:spcPct val="90000"/>
-              </a:lnSpc>
-              <a:spcBef>
-                <a:spcPts val="500"/>
-              </a:spcBef>
-              <a:buFont typeface="Arial" panose="020B0604020202020204" pitchFamily="34" charset="0"/>
-              <a:buChar char="•"/>
-              <a:defRPr sz="1800" kern="1200">
-                <a:solidFill>
-                  <a:schemeClr val="tx1"/>
-                </a:solidFill>
-                <a:latin typeface="+mn-lt"/>
-                <a:ea typeface="+mn-ea"/>
-                <a:cs typeface="+mn-cs"/>
-              </a:defRPr>
-            </a:lvl5pPr>
-            <a:lvl6pPr marL="2514600" indent="-228600" algn="l" defTabSz="914400" rtl="0" eaLnBrk="1" latinLnBrk="0" hangingPunct="1">
-              <a:lnSpc>
-                <a:spcPct val="90000"/>
-              </a:lnSpc>
-              <a:spcBef>
-                <a:spcPts val="500"/>
-              </a:spcBef>
-              <a:buFont typeface="Arial" panose="020B0604020202020204" pitchFamily="34" charset="0"/>
-              <a:buChar char="•"/>
-              <a:defRPr sz="1800" kern="1200">
-                <a:solidFill>
-                  <a:schemeClr val="tx1"/>
-                </a:solidFill>
-                <a:latin typeface="+mn-lt"/>
-                <a:ea typeface="+mn-ea"/>
-                <a:cs typeface="+mn-cs"/>
-              </a:defRPr>
-            </a:lvl6pPr>
-            <a:lvl7pPr marL="2971800" indent="-228600" algn="l" defTabSz="914400" rtl="0" eaLnBrk="1" latinLnBrk="0" hangingPunct="1">
-              <a:lnSpc>
-                <a:spcPct val="90000"/>
-              </a:lnSpc>
-              <a:spcBef>
-                <a:spcPts val="500"/>
-              </a:spcBef>
-              <a:buFont typeface="Arial" panose="020B0604020202020204" pitchFamily="34" charset="0"/>
-              <a:buChar char="•"/>
-              <a:defRPr sz="1800" kern="1200">
-                <a:solidFill>
-                  <a:schemeClr val="tx1"/>
-                </a:solidFill>
-                <a:latin typeface="+mn-lt"/>
-                <a:ea typeface="+mn-ea"/>
-                <a:cs typeface="+mn-cs"/>
-              </a:defRPr>
-            </a:lvl7pPr>
-            <a:lvl8pPr marL="3429000" indent="-228600" algn="l" defTabSz="914400" rtl="0" eaLnBrk="1" latinLnBrk="0" hangingPunct="1">
-              <a:lnSpc>
-                <a:spcPct val="90000"/>
-              </a:lnSpc>
-              <a:spcBef>
-                <a:spcPts val="500"/>
-              </a:spcBef>
-              <a:buFont typeface="Arial" panose="020B0604020202020204" pitchFamily="34" charset="0"/>
-              <a:buChar char="•"/>
-              <a:defRPr sz="1800" kern="1200">
-                <a:solidFill>
-                  <a:schemeClr val="tx1"/>
-                </a:solidFill>
-                <a:latin typeface="+mn-lt"/>
-                <a:ea typeface="+mn-ea"/>
-                <a:cs typeface="+mn-cs"/>
-              </a:defRPr>
-            </a:lvl8pPr>
-            <a:lvl9pPr marL="3886200" indent="-228600" algn="l" defTabSz="914400" rtl="0" eaLnBrk="1" latinLnBrk="0" hangingPunct="1">
-              <a:lnSpc>
-                <a:spcPct val="90000"/>
-              </a:lnSpc>
-              <a:spcBef>
-                <a:spcPts val="500"/>
-              </a:spcBef>
-              <a:buFont typeface="Arial" panose="020B0604020202020204" pitchFamily="34" charset="0"/>
-              <a:buChar char="•"/>
-              <a:defRPr sz="1800" kern="1200">
-                <a:solidFill>
-                  <a:schemeClr val="tx1"/>
-                </a:solidFill>
-                <a:latin typeface="+mn-lt"/>
-                <a:ea typeface="+mn-ea"/>
-                <a:cs typeface="+mn-cs"/>
-              </a:defRPr>
-            </a:lvl9pPr>
-          </a:lstStyle>
-          <a:p>
-            <a:endParaRPr lang="tr-TR" sz="1600" b="1" dirty="0"/>
-          </a:p>
-          <a:p>
-            <a:r>
-              <a:rPr lang="en-US" sz="1600" b="1" dirty="0"/>
-              <a:t>Preamble:</a:t>
-            </a:r>
-            <a:r>
-              <a:rPr lang="en-US" sz="1600" dirty="0"/>
-              <a:t> Shows beginning of a packet</a:t>
-            </a:r>
-            <a:endParaRPr lang="en-GB" sz="1800" dirty="0"/>
-          </a:p>
-          <a:p>
-            <a:r>
-              <a:rPr lang="en-US" sz="1600" b="1" dirty="0"/>
-              <a:t>Address:</a:t>
-            </a:r>
-            <a:r>
-              <a:rPr lang="en-US" sz="1600" dirty="0"/>
-              <a:t> Shows the network pipe address. </a:t>
-            </a:r>
-            <a:endParaRPr lang="tr-TR" sz="1600" dirty="0"/>
-          </a:p>
-          <a:p>
-            <a:r>
-              <a:rPr lang="en-US" sz="1600" b="1" dirty="0"/>
-              <a:t>Packet Control: </a:t>
-            </a:r>
-            <a:r>
-              <a:rPr lang="en-US" sz="1600" dirty="0"/>
-              <a:t> Section for related settings.</a:t>
-            </a:r>
-            <a:endParaRPr lang="en-GB" sz="1800" dirty="0"/>
-          </a:p>
-          <a:p>
-            <a:r>
-              <a:rPr lang="en-US" sz="1600" b="1" dirty="0"/>
-              <a:t>Payload: </a:t>
-            </a:r>
-            <a:r>
-              <a:rPr lang="en-US" sz="1600" dirty="0"/>
-              <a:t>Sending data is stored inside</a:t>
-            </a:r>
-            <a:r>
-              <a:rPr lang="tr-TR" sz="1600" dirty="0"/>
-              <a:t>. </a:t>
-            </a:r>
-            <a:r>
-              <a:rPr lang="tr-TR" sz="1600" dirty="0" err="1"/>
-              <a:t>Upon</a:t>
-            </a:r>
-            <a:r>
-              <a:rPr lang="tr-TR" sz="1600" dirty="0"/>
-              <a:t> 32 </a:t>
-            </a:r>
-            <a:r>
-              <a:rPr lang="tr-TR" sz="1600" dirty="0" err="1"/>
-              <a:t>byte</a:t>
-            </a:r>
-            <a:r>
-              <a:rPr lang="en-US" sz="1600" dirty="0"/>
-              <a:t>. </a:t>
-            </a:r>
-            <a:endParaRPr lang="en-GB" sz="1400" dirty="0"/>
-          </a:p>
-        </p:txBody>
-      </p:sp>
-    </p:spTree>
-    <p:extLst>
-      <p:ext uri="{BB962C8B-B14F-4D97-AF65-F5344CB8AC3E}">
-        <p14:creationId xmlns:p14="http://schemas.microsoft.com/office/powerpoint/2010/main" val="2831672227"/>
-      </p:ext>
-    </p:extLst>
-  </p:cSld>
-  <p:clrMapOvr>
-    <a:masterClrMapping/>
-  </p:clrMapOvr>
-</p:sld>
-</file>
-
-<file path=ppt/slides/slide14.xml><?xml version="1.0" encoding="utf-8"?>
-<p:sld xmlns:a="http://schemas.openxmlformats.org/drawingml/2006/main" xmlns:r="http://schemas.openxmlformats.org/officeDocument/2006/relationships" xmlns:p="http://schemas.openxmlformats.org/presentationml/2006/main">
-  <p:cSld>
-    <p:spTree>
-      <p:nvGrpSpPr>
-        <p:cNvPr id="1" name=""/>
-        <p:cNvGrpSpPr/>
-        <p:nvPr/>
-      </p:nvGrpSpPr>
-      <p:grpSpPr>
-        <a:xfrm>
-          <a:off x="0" y="0"/>
-          <a:ext cx="0" cy="0"/>
-          <a:chOff x="0" y="0"/>
-          <a:chExt cx="0" cy="0"/>
-        </a:xfrm>
-      </p:grpSpPr>
-      <p:pic>
-        <p:nvPicPr>
-          <p:cNvPr id="4" name="Resim 3">
-            <a:extLst>
-              <a:ext uri="{FF2B5EF4-FFF2-40B4-BE49-F238E27FC236}">
-                <a16:creationId xmlns:a16="http://schemas.microsoft.com/office/drawing/2014/main" id="{77D5D1C2-FAF4-424A-8EBA-C88AB557596E}"/>
-              </a:ext>
-            </a:extLst>
-          </p:cNvPr>
-          <p:cNvPicPr>
-            <a:picLocks noChangeAspect="1"/>
-          </p:cNvPicPr>
-          <p:nvPr/>
-        </p:nvPicPr>
-        <p:blipFill>
-          <a:blip r:embed="rId3">
-            <a:extLst>
-              <a:ext uri="{28A0092B-C50C-407E-A947-70E740481C1C}">
-                <a14:useLocalDpi xmlns:a14="http://schemas.microsoft.com/office/drawing/2010/main" val="0"/>
-              </a:ext>
-            </a:extLst>
-          </a:blip>
-          <a:stretch>
-            <a:fillRect/>
-          </a:stretch>
-        </p:blipFill>
-        <p:spPr>
-          <a:xfrm>
-            <a:off x="0" y="6115031"/>
-            <a:ext cx="12192000" cy="742969"/>
-          </a:xfrm>
-          <a:prstGeom prst="rect">
-            <a:avLst/>
-          </a:prstGeom>
-        </p:spPr>
-      </p:pic>
-      <p:pic>
-        <p:nvPicPr>
-          <p:cNvPr id="5" name="Picture 38" descr="https://lh3.googleusercontent.com/Ty3FycAIkvXZ0WxCCCTr35eGegDpxXFVTlyPiVnQSjHSqTEFoOXxm3rGc-TC-WnNBT5JiYq6J4e4WQfQoeyjclByePdeZtKqrzwtO-TMZL69ZpVjOr3y0eeApwnfG9WNO_tgjfYu">
-            <a:extLst>
-              <a:ext uri="{FF2B5EF4-FFF2-40B4-BE49-F238E27FC236}">
-                <a16:creationId xmlns:a16="http://schemas.microsoft.com/office/drawing/2014/main" id="{EE4B1703-47FC-4CA2-A1BB-B1098D20B041}"/>
-              </a:ext>
-            </a:extLst>
-          </p:cNvPr>
-          <p:cNvPicPr>
-            <a:picLocks noGrp="1"/>
-          </p:cNvPicPr>
-          <p:nvPr>
-            <p:ph idx="1"/>
-          </p:nvPr>
-        </p:nvPicPr>
-        <p:blipFill rotWithShape="1">
-          <a:blip r:embed="rId4">
-            <a:extLst>
-              <a:ext uri="{28A0092B-C50C-407E-A947-70E740481C1C}">
-                <a14:useLocalDpi xmlns:a14="http://schemas.microsoft.com/office/drawing/2010/main" val="0"/>
-              </a:ext>
-            </a:extLst>
-          </a:blip>
-          <a:srcRect t="7584" r="1873" b="61418"/>
-          <a:stretch/>
-        </p:blipFill>
-        <p:spPr bwMode="auto">
-          <a:xfrm>
-            <a:off x="2043793" y="609600"/>
-            <a:ext cx="7439841" cy="862150"/>
-          </a:xfrm>
-          <a:prstGeom prst="rect">
-            <a:avLst/>
-          </a:prstGeom>
-          <a:noFill/>
-          <a:ln>
-            <a:noFill/>
-          </a:ln>
-        </p:spPr>
-      </p:pic>
-      <p:sp>
-        <p:nvSpPr>
-          <p:cNvPr id="6" name="İçerik Yer Tutucusu 2">
-            <a:extLst>
-              <a:ext uri="{FF2B5EF4-FFF2-40B4-BE49-F238E27FC236}">
-                <a16:creationId xmlns:a16="http://schemas.microsoft.com/office/drawing/2014/main" id="{5C8A4DEA-289C-4F5C-AD88-9E4825781421}"/>
-              </a:ext>
-            </a:extLst>
-          </p:cNvPr>
-          <p:cNvSpPr txBox="1">
-            <a:spLocks/>
-          </p:cNvSpPr>
-          <p:nvPr/>
-        </p:nvSpPr>
-        <p:spPr>
-          <a:xfrm>
-            <a:off x="838199" y="1825625"/>
-            <a:ext cx="10552611" cy="3317856"/>
-          </a:xfrm>
-          <a:prstGeom prst="rect">
-            <a:avLst/>
-          </a:prstGeom>
-        </p:spPr>
-        <p:txBody>
-          <a:bodyPr vert="horz" lIns="91440" tIns="45720" rIns="91440" bIns="45720" rtlCol="0">
-            <a:normAutofit/>
-          </a:bodyPr>
-          <a:lstStyle>
-            <a:lvl1pPr marL="228600" indent="-228600" algn="l" defTabSz="914400" rtl="0" eaLnBrk="1" latinLnBrk="0" hangingPunct="1">
-              <a:lnSpc>
-                <a:spcPct val="90000"/>
-              </a:lnSpc>
-              <a:spcBef>
-                <a:spcPts val="1000"/>
-              </a:spcBef>
-              <a:buFont typeface="Arial" panose="020B0604020202020204" pitchFamily="34" charset="0"/>
-              <a:buChar char="•"/>
-              <a:defRPr sz="2800" kern="1200">
-                <a:solidFill>
-                  <a:schemeClr val="tx1"/>
-                </a:solidFill>
-                <a:latin typeface="+mn-lt"/>
-                <a:ea typeface="+mn-ea"/>
-                <a:cs typeface="+mn-cs"/>
-              </a:defRPr>
-            </a:lvl1pPr>
-            <a:lvl2pPr marL="685800" indent="-228600" algn="l" defTabSz="914400" rtl="0" eaLnBrk="1" latinLnBrk="0" hangingPunct="1">
-              <a:lnSpc>
-                <a:spcPct val="90000"/>
-              </a:lnSpc>
-              <a:spcBef>
-                <a:spcPts val="500"/>
-              </a:spcBef>
-              <a:buFont typeface="Arial" panose="020B0604020202020204" pitchFamily="34" charset="0"/>
-              <a:buChar char="•"/>
-              <a:defRPr sz="2400" kern="1200">
-                <a:solidFill>
-                  <a:schemeClr val="tx1"/>
-                </a:solidFill>
-                <a:latin typeface="+mn-lt"/>
-                <a:ea typeface="+mn-ea"/>
-                <a:cs typeface="+mn-cs"/>
-              </a:defRPr>
-            </a:lvl2pPr>
-            <a:lvl3pPr marL="1143000" indent="-228600" algn="l" defTabSz="914400" rtl="0" eaLnBrk="1" latinLnBrk="0" hangingPunct="1">
-              <a:lnSpc>
-                <a:spcPct val="90000"/>
-              </a:lnSpc>
-              <a:spcBef>
-                <a:spcPts val="500"/>
-              </a:spcBef>
-              <a:buFont typeface="Arial" panose="020B0604020202020204" pitchFamily="34" charset="0"/>
-              <a:buChar char="•"/>
-              <a:defRPr sz="2000" kern="1200">
-                <a:solidFill>
-                  <a:schemeClr val="tx1"/>
-                </a:solidFill>
-                <a:latin typeface="+mn-lt"/>
-                <a:ea typeface="+mn-ea"/>
-                <a:cs typeface="+mn-cs"/>
-              </a:defRPr>
-            </a:lvl3pPr>
-            <a:lvl4pPr marL="1600200" indent="-228600" algn="l" defTabSz="914400" rtl="0" eaLnBrk="1" latinLnBrk="0" hangingPunct="1">
-              <a:lnSpc>
-                <a:spcPct val="90000"/>
-              </a:lnSpc>
-              <a:spcBef>
-                <a:spcPts val="500"/>
-              </a:spcBef>
-              <a:buFont typeface="Arial" panose="020B0604020202020204" pitchFamily="34" charset="0"/>
-              <a:buChar char="•"/>
-              <a:defRPr sz="1800" kern="1200">
-                <a:solidFill>
-                  <a:schemeClr val="tx1"/>
-                </a:solidFill>
-                <a:latin typeface="+mn-lt"/>
-                <a:ea typeface="+mn-ea"/>
-                <a:cs typeface="+mn-cs"/>
-              </a:defRPr>
-            </a:lvl4pPr>
-            <a:lvl5pPr marL="2057400" indent="-228600" algn="l" defTabSz="914400" rtl="0" eaLnBrk="1" latinLnBrk="0" hangingPunct="1">
-              <a:lnSpc>
-                <a:spcPct val="90000"/>
-              </a:lnSpc>
-              <a:spcBef>
-                <a:spcPts val="500"/>
-              </a:spcBef>
-              <a:buFont typeface="Arial" panose="020B0604020202020204" pitchFamily="34" charset="0"/>
-              <a:buChar char="•"/>
-              <a:defRPr sz="1800" kern="1200">
-                <a:solidFill>
-                  <a:schemeClr val="tx1"/>
-                </a:solidFill>
-                <a:latin typeface="+mn-lt"/>
-                <a:ea typeface="+mn-ea"/>
-                <a:cs typeface="+mn-cs"/>
-              </a:defRPr>
-            </a:lvl5pPr>
-            <a:lvl6pPr marL="2514600" indent="-228600" algn="l" defTabSz="914400" rtl="0" eaLnBrk="1" latinLnBrk="0" hangingPunct="1">
-              <a:lnSpc>
-                <a:spcPct val="90000"/>
-              </a:lnSpc>
-              <a:spcBef>
-                <a:spcPts val="500"/>
-              </a:spcBef>
-              <a:buFont typeface="Arial" panose="020B0604020202020204" pitchFamily="34" charset="0"/>
-              <a:buChar char="•"/>
-              <a:defRPr sz="1800" kern="1200">
-                <a:solidFill>
-                  <a:schemeClr val="tx1"/>
-                </a:solidFill>
-                <a:latin typeface="+mn-lt"/>
-                <a:ea typeface="+mn-ea"/>
-                <a:cs typeface="+mn-cs"/>
-              </a:defRPr>
-            </a:lvl6pPr>
-            <a:lvl7pPr marL="2971800" indent="-228600" algn="l" defTabSz="914400" rtl="0" eaLnBrk="1" latinLnBrk="0" hangingPunct="1">
-              <a:lnSpc>
-                <a:spcPct val="90000"/>
-              </a:lnSpc>
-              <a:spcBef>
-                <a:spcPts val="500"/>
-              </a:spcBef>
-              <a:buFont typeface="Arial" panose="020B0604020202020204" pitchFamily="34" charset="0"/>
-              <a:buChar char="•"/>
-              <a:defRPr sz="1800" kern="1200">
-                <a:solidFill>
-                  <a:schemeClr val="tx1"/>
-                </a:solidFill>
-                <a:latin typeface="+mn-lt"/>
-                <a:ea typeface="+mn-ea"/>
-                <a:cs typeface="+mn-cs"/>
-              </a:defRPr>
-            </a:lvl7pPr>
-            <a:lvl8pPr marL="3429000" indent="-228600" algn="l" defTabSz="914400" rtl="0" eaLnBrk="1" latinLnBrk="0" hangingPunct="1">
-              <a:lnSpc>
-                <a:spcPct val="90000"/>
-              </a:lnSpc>
-              <a:spcBef>
-                <a:spcPts val="500"/>
-              </a:spcBef>
-              <a:buFont typeface="Arial" panose="020B0604020202020204" pitchFamily="34" charset="0"/>
-              <a:buChar char="•"/>
-              <a:defRPr sz="1800" kern="1200">
-                <a:solidFill>
-                  <a:schemeClr val="tx1"/>
-                </a:solidFill>
-                <a:latin typeface="+mn-lt"/>
-                <a:ea typeface="+mn-ea"/>
-                <a:cs typeface="+mn-cs"/>
-              </a:defRPr>
-            </a:lvl8pPr>
-            <a:lvl9pPr marL="3886200" indent="-228600" algn="l" defTabSz="914400" rtl="0" eaLnBrk="1" latinLnBrk="0" hangingPunct="1">
-              <a:lnSpc>
-                <a:spcPct val="90000"/>
-              </a:lnSpc>
-              <a:spcBef>
-                <a:spcPts val="500"/>
-              </a:spcBef>
-              <a:buFont typeface="Arial" panose="020B0604020202020204" pitchFamily="34" charset="0"/>
-              <a:buChar char="•"/>
-              <a:defRPr sz="1800" kern="1200">
-                <a:solidFill>
-                  <a:schemeClr val="tx1"/>
-                </a:solidFill>
-                <a:latin typeface="+mn-lt"/>
-                <a:ea typeface="+mn-ea"/>
-                <a:cs typeface="+mn-cs"/>
-              </a:defRPr>
-            </a:lvl9pPr>
-          </a:lstStyle>
-          <a:p>
-            <a:endParaRPr lang="tr-TR" sz="1600" b="1" dirty="0"/>
-          </a:p>
-          <a:p>
-            <a:r>
-              <a:rPr lang="en-US" sz="1600" b="1" dirty="0"/>
-              <a:t>Preamble:</a:t>
-            </a:r>
-            <a:r>
-              <a:rPr lang="en-US" sz="1600" dirty="0"/>
-              <a:t> Shows beginning of a packet</a:t>
-            </a:r>
-            <a:r>
-              <a:rPr lang="tr-TR" sz="1600" dirty="0"/>
-              <a:t>.</a:t>
-            </a:r>
-            <a:endParaRPr lang="en-GB" sz="1800" dirty="0"/>
-          </a:p>
-          <a:p>
-            <a:r>
-              <a:rPr lang="en-US" sz="1600" b="1" dirty="0"/>
-              <a:t>Address:</a:t>
-            </a:r>
-            <a:r>
-              <a:rPr lang="en-US" sz="1600" dirty="0"/>
-              <a:t> Shows the network pipe address.</a:t>
-            </a:r>
-            <a:endParaRPr lang="en-GB" sz="1800" dirty="0"/>
-          </a:p>
-          <a:p>
-            <a:r>
-              <a:rPr lang="en-US" sz="1600" b="1" dirty="0"/>
-              <a:t>Packet Control: </a:t>
-            </a:r>
-            <a:r>
-              <a:rPr lang="en-US" sz="1600" dirty="0"/>
-              <a:t> Section for related settings.</a:t>
-            </a:r>
-            <a:endParaRPr lang="en-GB" sz="1800" dirty="0"/>
-          </a:p>
-          <a:p>
-            <a:r>
-              <a:rPr lang="en-US" sz="1600" b="1" dirty="0"/>
-              <a:t>Payload: </a:t>
-            </a:r>
-            <a:r>
-              <a:rPr lang="en-US" sz="1600" dirty="0"/>
-              <a:t>Sending data is stored inside</a:t>
-            </a:r>
-            <a:r>
-              <a:rPr lang="tr-TR" sz="1600" dirty="0"/>
-              <a:t>. </a:t>
-            </a:r>
-            <a:r>
-              <a:rPr lang="tr-TR" sz="1600" dirty="0" err="1"/>
-              <a:t>Upon</a:t>
-            </a:r>
-            <a:r>
-              <a:rPr lang="tr-TR" sz="1600" dirty="0"/>
-              <a:t> 32 </a:t>
-            </a:r>
-            <a:r>
-              <a:rPr lang="tr-TR" sz="1600" dirty="0" err="1"/>
-              <a:t>byte</a:t>
-            </a:r>
-            <a:r>
-              <a:rPr lang="en-US" sz="1600" dirty="0"/>
-              <a:t>. </a:t>
-            </a:r>
-            <a:endParaRPr lang="tr-TR" sz="1600" dirty="0"/>
-          </a:p>
-          <a:p>
-            <a:r>
-              <a:rPr lang="en-US" sz="1600" b="1" dirty="0"/>
-              <a:t>CRC: </a:t>
-            </a:r>
-            <a:r>
-              <a:rPr lang="en-US" sz="1600" dirty="0"/>
-              <a:t>Cyclic redundancy check for error detection. </a:t>
-            </a:r>
-            <a:endParaRPr lang="en-GB" sz="1400" dirty="0"/>
-          </a:p>
-        </p:txBody>
-      </p:sp>
-    </p:spTree>
-    <p:extLst>
-      <p:ext uri="{BB962C8B-B14F-4D97-AF65-F5344CB8AC3E}">
-        <p14:creationId xmlns:p14="http://schemas.microsoft.com/office/powerpoint/2010/main" val="3582147298"/>
-      </p:ext>
-    </p:extLst>
-  </p:cSld>
-  <p:clrMapOvr>
-    <a:masterClrMapping/>
-  </p:clrMapOvr>
-</p:sld>
-</file>
-
-<file path=ppt/slides/slide15.xml><?xml version="1.0" encoding="utf-8"?>
-<p:sld xmlns:a="http://schemas.openxmlformats.org/drawingml/2006/main" xmlns:r="http://schemas.openxmlformats.org/officeDocument/2006/relationships" xmlns:p="http://schemas.openxmlformats.org/presentationml/2006/main">
-  <p:cSld>
-    <p:spTree>
-      <p:nvGrpSpPr>
-        <p:cNvPr id="1" name=""/>
-        <p:cNvGrpSpPr/>
-        <p:nvPr/>
-      </p:nvGrpSpPr>
-      <p:grpSpPr>
-        <a:xfrm>
-          <a:off x="0" y="0"/>
-          <a:ext cx="0" cy="0"/>
-          <a:chOff x="0" y="0"/>
-          <a:chExt cx="0" cy="0"/>
-        </a:xfrm>
-      </p:grpSpPr>
-      <p:sp>
-        <p:nvSpPr>
-          <p:cNvPr id="2" name="Unvan 1">
-            <a:extLst>
-              <a:ext uri="{FF2B5EF4-FFF2-40B4-BE49-F238E27FC236}">
-                <a16:creationId xmlns:a16="http://schemas.microsoft.com/office/drawing/2014/main" id="{47ADBC36-5277-4EFF-AE38-8791389B8D41}"/>
-              </a:ext>
-            </a:extLst>
-          </p:cNvPr>
-          <p:cNvSpPr>
-            <a:spLocks noGrp="1"/>
-          </p:cNvSpPr>
-          <p:nvPr>
-            <p:ph type="title"/>
-          </p:nvPr>
-        </p:nvSpPr>
-        <p:spPr/>
-        <p:txBody>
-          <a:bodyPr/>
-          <a:lstStyle/>
-          <a:p>
-            <a:r>
-              <a:rPr lang="tr-TR" dirty="0" err="1"/>
-              <a:t>Command</a:t>
-            </a:r>
-            <a:r>
-              <a:rPr lang="tr-TR" dirty="0"/>
-              <a:t> </a:t>
-            </a:r>
-            <a:r>
-              <a:rPr lang="tr-TR" dirty="0" err="1"/>
-              <a:t>Transmission</a:t>
-            </a:r>
-            <a:endParaRPr lang="en-GB" dirty="0"/>
-          </a:p>
-        </p:txBody>
-      </p:sp>
-      <p:sp>
-        <p:nvSpPr>
-          <p:cNvPr id="3" name="İçerik Yer Tutucusu 2">
-            <a:extLst>
-              <a:ext uri="{FF2B5EF4-FFF2-40B4-BE49-F238E27FC236}">
-                <a16:creationId xmlns:a16="http://schemas.microsoft.com/office/drawing/2014/main" id="{7FC0CAE0-9CE1-4889-B203-4204849094A3}"/>
-              </a:ext>
-            </a:extLst>
-          </p:cNvPr>
-          <p:cNvSpPr>
-            <a:spLocks noGrp="1"/>
-          </p:cNvSpPr>
-          <p:nvPr>
-            <p:ph idx="1"/>
-          </p:nvPr>
-        </p:nvSpPr>
-        <p:spPr>
-          <a:xfrm>
-            <a:off x="838200" y="1825625"/>
-            <a:ext cx="10515600" cy="4351338"/>
-          </a:xfrm>
-        </p:spPr>
-        <p:txBody>
-          <a:bodyPr>
-            <a:normAutofit/>
-          </a:bodyPr>
-          <a:lstStyle/>
-          <a:p>
-            <a:pPr lvl="1"/>
-            <a:endParaRPr lang="en-GB" dirty="0"/>
-          </a:p>
-        </p:txBody>
-      </p:sp>
       <p:pic>
         <p:nvPicPr>
           <p:cNvPr id="4" name="Resim 3">
@@ -5958,7 +4731,13 @@
             </a:r>
             <a:r>
               <a:rPr lang="tr-TR" dirty="0"/>
-              <a:t> (ts5828s)</a:t>
+              <a:t> (TS5828)</a:t>
+            </a:r>
+          </a:p>
+          <a:p>
+            <a:r>
+              <a:rPr lang="tr-TR" dirty="0"/>
+              <a:t>40 Channel </a:t>
             </a:r>
           </a:p>
           <a:p>
@@ -5970,12 +4749,43 @@
               <a:rPr lang="tr-TR" dirty="0" err="1"/>
               <a:t>dBm</a:t>
             </a:r>
+            <a:endParaRPr lang="tr-TR" dirty="0"/>
+          </a:p>
+          <a:p>
             <a:endParaRPr lang="tr-TR" dirty="0"/>
           </a:p>
           <a:p>
             <a:pPr marL="0" indent="0">
               <a:buNone/>
             </a:pPr>
+            <a:endParaRPr lang="tr-TR" dirty="0"/>
+          </a:p>
+          <a:p>
+            <a:r>
+              <a:rPr lang="tr-TR" dirty="0"/>
+              <a:t>170 </a:t>
+            </a:r>
+            <a:r>
+              <a:rPr lang="tr-TR" dirty="0" err="1"/>
+              <a:t>degree</a:t>
+            </a:r>
+            <a:r>
+              <a:rPr lang="tr-TR" dirty="0"/>
+              <a:t> </a:t>
+            </a:r>
+            <a:r>
+              <a:rPr lang="tr-TR" dirty="0" err="1"/>
+              <a:t>camera</a:t>
+            </a:r>
+            <a:endParaRPr lang="tr-TR" dirty="0"/>
+          </a:p>
+          <a:p>
+            <a:endParaRPr lang="tr-TR" dirty="0"/>
+          </a:p>
+          <a:p>
+            <a:endParaRPr lang="tr-TR" dirty="0"/>
+          </a:p>
+          <a:p>
             <a:endParaRPr lang="tr-TR" dirty="0"/>
           </a:p>
           <a:p>
@@ -6048,7 +4858,7 @@
         </p:blipFill>
         <p:spPr bwMode="auto">
           <a:xfrm>
-            <a:off x="8135574" y="911572"/>
+            <a:off x="6594701" y="832747"/>
             <a:ext cx="3218226" cy="3218226"/>
           </a:xfrm>
           <a:prstGeom prst="rect">
@@ -6066,10 +4876,40 @@
           </a:extLst>
         </p:spPr>
       </p:pic>
+      <p:pic>
+        <p:nvPicPr>
+          <p:cNvPr id="6" name="Resim 5" descr="nesne içeren bir resim&#10;&#10;Yüksek güvenilirlikle oluşturulmuş açıklama">
+            <a:extLst>
+              <a:ext uri="{FF2B5EF4-FFF2-40B4-BE49-F238E27FC236}">
+                <a16:creationId xmlns:a16="http://schemas.microsoft.com/office/drawing/2014/main" id="{3ACFABA4-CAF5-430E-974E-583E5311ABC5}"/>
+              </a:ext>
+            </a:extLst>
+          </p:cNvPr>
+          <p:cNvPicPr>
+            <a:picLocks noChangeAspect="1"/>
+          </p:cNvPicPr>
+          <p:nvPr/>
+        </p:nvPicPr>
+        <p:blipFill>
+          <a:blip r:embed="rId4"/>
+          <a:stretch>
+            <a:fillRect/>
+          </a:stretch>
+        </p:blipFill>
+        <p:spPr>
+          <a:xfrm>
+            <a:off x="5926068" y="4050973"/>
+            <a:ext cx="1912032" cy="1697448"/>
+          </a:xfrm>
+          <a:prstGeom prst="rect">
+            <a:avLst/>
+          </a:prstGeom>
+        </p:spPr>
+      </p:pic>
     </p:spTree>
     <p:extLst>
       <p:ext uri="{BB962C8B-B14F-4D97-AF65-F5344CB8AC3E}">
-        <p14:creationId xmlns:p14="http://schemas.microsoft.com/office/powerpoint/2010/main" val="3831641687"/>
+        <p14:creationId xmlns:p14="http://schemas.microsoft.com/office/powerpoint/2010/main" val="428038167"/>
       </p:ext>
     </p:extLst>
   </p:cSld>
@@ -6112,317 +4952,42 @@
             <p:ph type="title"/>
           </p:nvPr>
         </p:nvSpPr>
+        <p:spPr/>
+        <p:txBody>
+          <a:bodyPr/>
+          <a:lstStyle/>
+          <a:p>
+            <a:r>
+              <a:rPr lang="tr-TR" dirty="0"/>
+              <a:t>Video </a:t>
+            </a:r>
+            <a:r>
+              <a:rPr lang="tr-TR" dirty="0" err="1"/>
+              <a:t>Transmission</a:t>
+            </a:r>
+            <a:endParaRPr lang="en-GB" dirty="0"/>
+          </a:p>
+        </p:txBody>
+      </p:sp>
+      <p:sp>
+        <p:nvSpPr>
+          <p:cNvPr id="3" name="İçerik Yer Tutucusu 2">
+            <a:extLst>
+              <a:ext uri="{FF2B5EF4-FFF2-40B4-BE49-F238E27FC236}">
+                <a16:creationId xmlns:a16="http://schemas.microsoft.com/office/drawing/2014/main" id="{7FC0CAE0-9CE1-4889-B203-4204849094A3}"/>
+              </a:ext>
+            </a:extLst>
+          </p:cNvPr>
+          <p:cNvSpPr>
+            <a:spLocks noGrp="1"/>
+          </p:cNvSpPr>
+          <p:nvPr>
+            <p:ph idx="1"/>
+          </p:nvPr>
+        </p:nvSpPr>
         <p:spPr>
           <a:xfrm>
-            <a:off x="838200" y="365125"/>
-            <a:ext cx="10515600" cy="1325563"/>
-          </a:xfrm>
-        </p:spPr>
-        <p:txBody>
-          <a:bodyPr/>
-          <a:lstStyle/>
-          <a:p>
-            <a:r>
-              <a:rPr lang="tr-TR" dirty="0"/>
-              <a:t>Video </a:t>
-            </a:r>
-            <a:r>
-              <a:rPr lang="tr-TR" dirty="0" err="1"/>
-              <a:t>Transmission</a:t>
-            </a:r>
-            <a:endParaRPr lang="en-GB" dirty="0"/>
-          </a:p>
-        </p:txBody>
-      </p:sp>
-      <p:sp>
-        <p:nvSpPr>
-          <p:cNvPr id="3" name="İçerik Yer Tutucusu 2">
-            <a:extLst>
-              <a:ext uri="{FF2B5EF4-FFF2-40B4-BE49-F238E27FC236}">
-                <a16:creationId xmlns:a16="http://schemas.microsoft.com/office/drawing/2014/main" id="{7FC0CAE0-9CE1-4889-B203-4204849094A3}"/>
-              </a:ext>
-            </a:extLst>
-          </p:cNvPr>
-          <p:cNvSpPr>
-            <a:spLocks noGrp="1"/>
-          </p:cNvSpPr>
-          <p:nvPr>
-            <p:ph idx="1"/>
-          </p:nvPr>
-        </p:nvSpPr>
-        <p:spPr>
-          <a:xfrm>
-            <a:off x="838200" y="1825625"/>
-            <a:ext cx="10515600" cy="4351338"/>
-          </a:xfrm>
-        </p:spPr>
-        <p:txBody>
-          <a:bodyPr/>
-          <a:lstStyle/>
-          <a:p>
-            <a:r>
-              <a:rPr lang="tr-TR" dirty="0"/>
-              <a:t>5.8 </a:t>
-            </a:r>
-            <a:r>
-              <a:rPr lang="tr-TR" dirty="0" err="1"/>
-              <a:t>Ghz</a:t>
-            </a:r>
-            <a:r>
-              <a:rPr lang="tr-TR" dirty="0"/>
-              <a:t> </a:t>
-            </a:r>
-          </a:p>
-          <a:p>
-            <a:r>
-              <a:rPr lang="tr-TR" dirty="0"/>
-              <a:t>600mw </a:t>
-            </a:r>
-            <a:r>
-              <a:rPr lang="tr-TR" dirty="0" err="1"/>
-              <a:t>Transmitter</a:t>
-            </a:r>
-            <a:r>
-              <a:rPr lang="tr-TR" dirty="0"/>
-              <a:t> (ts5828s)</a:t>
-            </a:r>
-          </a:p>
-          <a:p>
-            <a:r>
-              <a:rPr lang="tr-TR" dirty="0"/>
-              <a:t>27.5 </a:t>
-            </a:r>
-            <a:r>
-              <a:rPr lang="tr-TR" dirty="0" err="1"/>
-              <a:t>dBm</a:t>
-            </a:r>
-            <a:endParaRPr lang="tr-TR" dirty="0"/>
-          </a:p>
-          <a:p>
-            <a:pPr marL="0" indent="0">
-              <a:buNone/>
-            </a:pPr>
-            <a:endParaRPr lang="tr-TR" dirty="0"/>
-          </a:p>
-          <a:p>
-            <a:r>
-              <a:rPr lang="tr-TR" dirty="0"/>
-              <a:t>170 </a:t>
-            </a:r>
-            <a:r>
-              <a:rPr lang="tr-TR" dirty="0" err="1"/>
-              <a:t>degree</a:t>
-            </a:r>
-            <a:r>
-              <a:rPr lang="tr-TR" dirty="0"/>
-              <a:t> </a:t>
-            </a:r>
-            <a:r>
-              <a:rPr lang="tr-TR" dirty="0" err="1"/>
-              <a:t>camera</a:t>
-            </a:r>
-            <a:endParaRPr lang="tr-TR" dirty="0"/>
-          </a:p>
-          <a:p>
-            <a:endParaRPr lang="en-GB" dirty="0"/>
-          </a:p>
-        </p:txBody>
-      </p:sp>
-      <p:pic>
-        <p:nvPicPr>
-          <p:cNvPr id="4" name="Resim 3">
-            <a:extLst>
-              <a:ext uri="{FF2B5EF4-FFF2-40B4-BE49-F238E27FC236}">
-                <a16:creationId xmlns:a16="http://schemas.microsoft.com/office/drawing/2014/main" id="{77D5D1C2-FAF4-424A-8EBA-C88AB557596E}"/>
-              </a:ext>
-            </a:extLst>
-          </p:cNvPr>
-          <p:cNvPicPr>
-            <a:picLocks noChangeAspect="1"/>
-          </p:cNvPicPr>
-          <p:nvPr/>
-        </p:nvPicPr>
-        <p:blipFill>
-          <a:blip r:embed="rId2">
-            <a:extLst>
-              <a:ext uri="{28A0092B-C50C-407E-A947-70E740481C1C}">
-                <a14:useLocalDpi xmlns:a14="http://schemas.microsoft.com/office/drawing/2010/main" val="0"/>
-              </a:ext>
-            </a:extLst>
-          </a:blip>
-          <a:stretch>
-            <a:fillRect/>
-          </a:stretch>
-        </p:blipFill>
-        <p:spPr>
-          <a:xfrm>
-            <a:off x="0" y="6115031"/>
-            <a:ext cx="12192000" cy="742969"/>
-          </a:xfrm>
-          <a:prstGeom prst="rect">
-            <a:avLst/>
-          </a:prstGeom>
-        </p:spPr>
-      </p:pic>
-      <p:pic>
-        <p:nvPicPr>
-          <p:cNvPr id="1026" name="Picture 2" descr="ts5828 ile ilgili gÃ¶rsel sonucu">
-            <a:extLst>
-              <a:ext uri="{FF2B5EF4-FFF2-40B4-BE49-F238E27FC236}">
-                <a16:creationId xmlns:a16="http://schemas.microsoft.com/office/drawing/2014/main" id="{4D47B985-24B4-4EDB-B8E7-386D728D37B5}"/>
-              </a:ext>
-            </a:extLst>
-          </p:cNvPr>
-          <p:cNvPicPr>
-            <a:picLocks noChangeAspect="1" noChangeArrowheads="1"/>
-          </p:cNvPicPr>
-          <p:nvPr/>
-        </p:nvPicPr>
-        <p:blipFill>
-          <a:blip r:embed="rId3">
-            <a:extLst>
-              <a:ext uri="{28A0092B-C50C-407E-A947-70E740481C1C}">
-                <a14:useLocalDpi xmlns:a14="http://schemas.microsoft.com/office/drawing/2010/main" val="0"/>
-              </a:ext>
-            </a:extLst>
-          </a:blip>
-          <a:srcRect/>
-          <a:stretch>
-            <a:fillRect/>
-          </a:stretch>
-        </p:blipFill>
-        <p:spPr bwMode="auto">
-          <a:xfrm>
-            <a:off x="8135574" y="911572"/>
-            <a:ext cx="3218226" cy="3218226"/>
-          </a:xfrm>
-          <a:prstGeom prst="rect">
-            <a:avLst/>
-          </a:prstGeom>
-          <a:noFill/>
-          <a:extLst>
-            <a:ext uri="{909E8E84-426E-40DD-AFC4-6F175D3DCCD1}">
-              <a14:hiddenFill xmlns:a14="http://schemas.microsoft.com/office/drawing/2010/main">
-                <a:solidFill>
-                  <a:srgbClr val="FFFFFF"/>
-                </a:solidFill>
-              </a14:hiddenFill>
-            </a:ext>
-          </a:extLst>
-        </p:spPr>
-      </p:pic>
-      <p:pic>
-        <p:nvPicPr>
-          <p:cNvPr id="6" name="Resim 5" descr="nesne içeren bir resim&#10;&#10;Yüksek güvenilirlikle oluşturulmuş açıklama">
-            <a:extLst>
-              <a:ext uri="{FF2B5EF4-FFF2-40B4-BE49-F238E27FC236}">
-                <a16:creationId xmlns:a16="http://schemas.microsoft.com/office/drawing/2014/main" id="{3ACFABA4-CAF5-430E-974E-583E5311ABC5}"/>
-              </a:ext>
-            </a:extLst>
-          </p:cNvPr>
-          <p:cNvPicPr>
-            <a:picLocks noChangeAspect="1"/>
-          </p:cNvPicPr>
-          <p:nvPr/>
-        </p:nvPicPr>
-        <p:blipFill>
-          <a:blip r:embed="rId4"/>
-          <a:stretch>
-            <a:fillRect/>
-          </a:stretch>
-        </p:blipFill>
-        <p:spPr>
-          <a:xfrm>
-            <a:off x="5841998" y="3429000"/>
-            <a:ext cx="2515645" cy="2233319"/>
-          </a:xfrm>
-          <a:prstGeom prst="rect">
-            <a:avLst/>
-          </a:prstGeom>
-        </p:spPr>
-      </p:pic>
-    </p:spTree>
-    <p:extLst>
-      <p:ext uri="{BB962C8B-B14F-4D97-AF65-F5344CB8AC3E}">
-        <p14:creationId xmlns:p14="http://schemas.microsoft.com/office/powerpoint/2010/main" val="428038167"/>
-      </p:ext>
-    </p:extLst>
-  </p:cSld>
-  <p:clrMapOvr>
-    <a:masterClrMapping/>
-  </p:clrMapOvr>
-</p:sld>
-</file>
-
-<file path=ppt/slides/slide5.xml><?xml version="1.0" encoding="utf-8"?>
-<p:sld xmlns:a="http://schemas.openxmlformats.org/drawingml/2006/main" xmlns:r="http://schemas.openxmlformats.org/officeDocument/2006/relationships" xmlns:p="http://schemas.openxmlformats.org/presentationml/2006/main">
-  <p:cSld>
-    <p:spTree>
-      <p:nvGrpSpPr>
-        <p:cNvPr id="1" name=""/>
-        <p:cNvGrpSpPr/>
-        <p:nvPr/>
-      </p:nvGrpSpPr>
-      <p:grpSpPr>
-        <a:xfrm>
-          <a:off x="0" y="0"/>
-          <a:ext cx="0" cy="0"/>
-          <a:chOff x="0" y="0"/>
-          <a:chExt cx="0" cy="0"/>
-        </a:xfrm>
-      </p:grpSpPr>
-      <p:sp>
-        <p:nvSpPr>
-          <p:cNvPr id="2" name="Unvan 1">
-            <a:extLst>
-              <a:ext uri="{FF2B5EF4-FFF2-40B4-BE49-F238E27FC236}">
-                <a16:creationId xmlns:a16="http://schemas.microsoft.com/office/drawing/2014/main" id="{47ADBC36-5277-4EFF-AE38-8791389B8D41}"/>
-              </a:ext>
-            </a:extLst>
-          </p:cNvPr>
-          <p:cNvSpPr>
-            <a:spLocks noGrp="1"/>
-          </p:cNvSpPr>
-          <p:nvPr>
-            <p:ph type="title"/>
-          </p:nvPr>
-        </p:nvSpPr>
-        <p:spPr/>
-        <p:txBody>
-          <a:bodyPr/>
-          <a:lstStyle/>
-          <a:p>
-            <a:r>
-              <a:rPr lang="tr-TR" dirty="0"/>
-              <a:t>Video </a:t>
-            </a:r>
-            <a:r>
-              <a:rPr lang="tr-TR" dirty="0" err="1"/>
-              <a:t>Transmission</a:t>
-            </a:r>
-            <a:endParaRPr lang="en-GB" dirty="0"/>
-          </a:p>
-        </p:txBody>
-      </p:sp>
-      <p:sp>
-        <p:nvSpPr>
-          <p:cNvPr id="3" name="İçerik Yer Tutucusu 2">
-            <a:extLst>
-              <a:ext uri="{FF2B5EF4-FFF2-40B4-BE49-F238E27FC236}">
-                <a16:creationId xmlns:a16="http://schemas.microsoft.com/office/drawing/2014/main" id="{7FC0CAE0-9CE1-4889-B203-4204849094A3}"/>
-              </a:ext>
-            </a:extLst>
-          </p:cNvPr>
-          <p:cNvSpPr>
-            <a:spLocks noGrp="1"/>
-          </p:cNvSpPr>
-          <p:nvPr>
-            <p:ph idx="1"/>
-          </p:nvPr>
-        </p:nvSpPr>
-        <p:spPr>
-          <a:xfrm>
-            <a:off x="924938" y="2063105"/>
+            <a:off x="881569" y="1716236"/>
             <a:ext cx="10428861" cy="4113858"/>
           </a:xfrm>
         </p:spPr>
@@ -6432,11 +4997,19 @@
           <a:p>
             <a:r>
               <a:rPr lang="tr-TR" dirty="0"/>
-              <a:t>5.8Ghz </a:t>
+              <a:t>5.8 </a:t>
             </a:r>
             <a:r>
               <a:rPr lang="tr-TR" dirty="0" err="1"/>
-              <a:t>receiver</a:t>
+              <a:t>Ghz</a:t>
+            </a:r>
+            <a:r>
+              <a:rPr lang="tr-TR" dirty="0"/>
+              <a:t> </a:t>
+            </a:r>
+            <a:r>
+              <a:rPr lang="tr-TR" dirty="0" err="1"/>
+              <a:t>Receiver</a:t>
             </a:r>
             <a:r>
               <a:rPr lang="tr-TR" dirty="0"/>
@@ -6513,11 +5086,7 @@
           <a:p>
             <a:r>
               <a:rPr lang="tr-TR" dirty="0"/>
-              <a:t>Auto </a:t>
-            </a:r>
-            <a:r>
-              <a:rPr lang="tr-TR" dirty="0" err="1"/>
-              <a:t>seek</a:t>
+              <a:t>150 Channel</a:t>
             </a:r>
             <a:endParaRPr lang="en-GB" dirty="0"/>
           </a:p>
@@ -6619,6 +5188,216 @@
 </p:sld>
 </file>
 
+<file path=ppt/slides/slide5.xml><?xml version="1.0" encoding="utf-8"?>
+<p:sld xmlns:a="http://schemas.openxmlformats.org/drawingml/2006/main" xmlns:r="http://schemas.openxmlformats.org/officeDocument/2006/relationships" xmlns:p="http://schemas.openxmlformats.org/presentationml/2006/main">
+  <p:cSld>
+    <p:spTree>
+      <p:nvGrpSpPr>
+        <p:cNvPr id="1" name=""/>
+        <p:cNvGrpSpPr/>
+        <p:nvPr/>
+      </p:nvGrpSpPr>
+      <p:grpSpPr>
+        <a:xfrm>
+          <a:off x="0" y="0"/>
+          <a:ext cx="0" cy="0"/>
+          <a:chOff x="0" y="0"/>
+          <a:chExt cx="0" cy="0"/>
+        </a:xfrm>
+      </p:grpSpPr>
+      <p:sp>
+        <p:nvSpPr>
+          <p:cNvPr id="2" name="Unvan 1">
+            <a:extLst>
+              <a:ext uri="{FF2B5EF4-FFF2-40B4-BE49-F238E27FC236}">
+                <a16:creationId xmlns:a16="http://schemas.microsoft.com/office/drawing/2014/main" id="{47ADBC36-5277-4EFF-AE38-8791389B8D41}"/>
+              </a:ext>
+            </a:extLst>
+          </p:cNvPr>
+          <p:cNvSpPr>
+            <a:spLocks noGrp="1"/>
+          </p:cNvSpPr>
+          <p:nvPr>
+            <p:ph type="title"/>
+          </p:nvPr>
+        </p:nvSpPr>
+        <p:spPr/>
+        <p:txBody>
+          <a:bodyPr/>
+          <a:lstStyle/>
+          <a:p>
+            <a:r>
+              <a:rPr lang="tr-TR" dirty="0"/>
+              <a:t>Test </a:t>
+            </a:r>
+            <a:r>
+              <a:rPr lang="tr-TR" dirty="0" err="1"/>
+              <a:t>Results</a:t>
+            </a:r>
+            <a:endParaRPr lang="en-GB" dirty="0"/>
+          </a:p>
+        </p:txBody>
+      </p:sp>
+      <p:sp>
+        <p:nvSpPr>
+          <p:cNvPr id="3" name="İçerik Yer Tutucusu 2">
+            <a:extLst>
+              <a:ext uri="{FF2B5EF4-FFF2-40B4-BE49-F238E27FC236}">
+                <a16:creationId xmlns:a16="http://schemas.microsoft.com/office/drawing/2014/main" id="{7FC0CAE0-9CE1-4889-B203-4204849094A3}"/>
+              </a:ext>
+            </a:extLst>
+          </p:cNvPr>
+          <p:cNvSpPr>
+            <a:spLocks noGrp="1"/>
+          </p:cNvSpPr>
+          <p:nvPr>
+            <p:ph idx="1"/>
+          </p:nvPr>
+        </p:nvSpPr>
+        <p:spPr/>
+        <p:txBody>
+          <a:bodyPr/>
+          <a:lstStyle/>
+          <a:p>
+            <a:r>
+              <a:rPr lang="tr-TR" dirty="0" err="1"/>
+              <a:t>Outdoor</a:t>
+            </a:r>
+            <a:r>
+              <a:rPr lang="tr-TR" dirty="0"/>
+              <a:t> = 500 m</a:t>
+            </a:r>
+          </a:p>
+          <a:p>
+            <a:r>
+              <a:rPr lang="tr-TR" dirty="0" err="1"/>
+              <a:t>Indoor</a:t>
+            </a:r>
+            <a:r>
+              <a:rPr lang="tr-TR" dirty="0"/>
+              <a:t> = 50 m  </a:t>
+            </a:r>
+            <a:r>
+              <a:rPr lang="tr-TR" sz="2400" dirty="0"/>
+              <a:t>(</a:t>
+            </a:r>
+            <a:r>
+              <a:rPr lang="tr-TR" sz="2400" dirty="0" err="1"/>
+              <a:t>from</a:t>
+            </a:r>
+            <a:r>
+              <a:rPr lang="tr-TR" sz="2400" dirty="0"/>
+              <a:t> E </a:t>
+            </a:r>
+            <a:r>
+              <a:rPr lang="tr-TR" sz="2400" dirty="0" err="1"/>
+              <a:t>Building</a:t>
+            </a:r>
+            <a:r>
+              <a:rPr lang="tr-TR" sz="2400" dirty="0"/>
+              <a:t> Top </a:t>
+            </a:r>
+            <a:r>
+              <a:rPr lang="tr-TR" sz="2400" dirty="0" err="1"/>
+              <a:t>Floor</a:t>
+            </a:r>
+            <a:r>
+              <a:rPr lang="tr-TR" sz="2400" dirty="0"/>
+              <a:t>  </a:t>
+            </a:r>
+            <a:r>
+              <a:rPr lang="tr-TR" sz="2400" dirty="0" err="1"/>
+              <a:t>to</a:t>
+            </a:r>
+            <a:r>
+              <a:rPr lang="tr-TR" sz="2400" dirty="0"/>
+              <a:t> D </a:t>
+            </a:r>
+            <a:r>
+              <a:rPr lang="tr-TR" sz="2400" dirty="0" err="1"/>
+              <a:t>Building</a:t>
+            </a:r>
+            <a:r>
+              <a:rPr lang="tr-TR" sz="2400" dirty="0"/>
+              <a:t> </a:t>
+            </a:r>
+            <a:r>
+              <a:rPr lang="tr-TR" sz="2400" dirty="0" err="1"/>
+              <a:t>Study</a:t>
+            </a:r>
+            <a:r>
+              <a:rPr lang="tr-TR" sz="2400" dirty="0"/>
+              <a:t> </a:t>
+            </a:r>
+            <a:r>
+              <a:rPr lang="tr-TR" sz="2400" dirty="0" err="1"/>
+              <a:t>Hall</a:t>
+            </a:r>
+            <a:r>
+              <a:rPr lang="tr-TR" sz="2400" dirty="0"/>
+              <a:t>)</a:t>
+            </a:r>
+          </a:p>
+          <a:p>
+            <a:endParaRPr lang="tr-TR" dirty="0"/>
+          </a:p>
+          <a:p>
+            <a:endParaRPr lang="tr-TR" dirty="0"/>
+          </a:p>
+          <a:p>
+            <a:endParaRPr lang="en-GB" dirty="0"/>
+          </a:p>
+        </p:txBody>
+      </p:sp>
+      <p:pic>
+        <p:nvPicPr>
+          <p:cNvPr id="4" name="Resim 3">
+            <a:extLst>
+              <a:ext uri="{FF2B5EF4-FFF2-40B4-BE49-F238E27FC236}">
+                <a16:creationId xmlns:a16="http://schemas.microsoft.com/office/drawing/2014/main" id="{77D5D1C2-FAF4-424A-8EBA-C88AB557596E}"/>
+              </a:ext>
+            </a:extLst>
+          </p:cNvPr>
+          <p:cNvPicPr>
+            <a:picLocks noChangeAspect="1"/>
+          </p:cNvPicPr>
+          <p:nvPr/>
+        </p:nvPicPr>
+        <p:blipFill>
+          <a:blip r:embed="rId2">
+            <a:extLst>
+              <a:ext uri="{28A0092B-C50C-407E-A947-70E740481C1C}">
+                <a14:useLocalDpi xmlns:a14="http://schemas.microsoft.com/office/drawing/2010/main" val="0"/>
+              </a:ext>
+            </a:extLst>
+          </a:blip>
+          <a:stretch>
+            <a:fillRect/>
+          </a:stretch>
+        </p:blipFill>
+        <p:spPr>
+          <a:xfrm>
+            <a:off x="0" y="6115031"/>
+            <a:ext cx="12192000" cy="742969"/>
+          </a:xfrm>
+          <a:prstGeom prst="rect">
+            <a:avLst/>
+          </a:prstGeom>
+        </p:spPr>
+      </p:pic>
+    </p:spTree>
+    <p:extLst>
+      <p:ext uri="{BB962C8B-B14F-4D97-AF65-F5344CB8AC3E}">
+        <p14:creationId xmlns:p14="http://schemas.microsoft.com/office/powerpoint/2010/main" val="3884452758"/>
+      </p:ext>
+    </p:extLst>
+  </p:cSld>
+  <p:clrMapOvr>
+    <a:masterClrMapping/>
+  </p:clrMapOvr>
+</p:sld>
+</file>
+
 <file path=ppt/slides/slide6.xml><?xml version="1.0" encoding="utf-8"?>
 <p:sld xmlns:a="http://schemas.openxmlformats.org/drawingml/2006/main" xmlns:r="http://schemas.openxmlformats.org/officeDocument/2006/relationships" xmlns:p="http://schemas.openxmlformats.org/presentationml/2006/main">
   <p:cSld>
@@ -6903,7 +5682,7 @@
     </p:spTree>
     <p:extLst>
       <p:ext uri="{BB962C8B-B14F-4D97-AF65-F5344CB8AC3E}">
-        <p14:creationId xmlns:p14="http://schemas.microsoft.com/office/powerpoint/2010/main" val="3884452758"/>
+        <p14:creationId xmlns:p14="http://schemas.microsoft.com/office/powerpoint/2010/main" val="3585178616"/>
       </p:ext>
     </p:extLst>
   </p:cSld>
@@ -7093,6 +5872,26 @@
               <a:rPr lang="tr-TR" sz="2000" dirty="0"/>
               <a:t>.</a:t>
             </a:r>
+          </a:p>
+          <a:p>
+            <a:pPr lvl="1" fontAlgn="base"/>
+            <a:r>
+              <a:rPr lang="tr-TR" sz="2000" dirty="0"/>
+              <a:t>100mW, legal </a:t>
+            </a:r>
+            <a:r>
+              <a:rPr lang="tr-TR" sz="2000" dirty="0" err="1"/>
+              <a:t>to</a:t>
+            </a:r>
+            <a:r>
+              <a:rPr lang="tr-TR" sz="2000" dirty="0"/>
+              <a:t> </a:t>
+            </a:r>
+            <a:r>
+              <a:rPr lang="tr-TR" sz="2000"/>
+              <a:t>use</a:t>
+            </a:r>
+            <a:endParaRPr lang="tr-TR" sz="2000" dirty="0"/>
           </a:p>
           <a:p>
             <a:pPr marL="457200" lvl="1" indent="0" fontAlgn="base">
@@ -7263,7 +6062,7 @@
           <p:nvPr/>
         </p:nvPicPr>
         <p:blipFill>
-          <a:blip r:embed="rId3">
+          <a:blip r:embed="rId2">
             <a:extLst>
               <a:ext uri="{28A0092B-C50C-407E-A947-70E740481C1C}">
                 <a14:useLocalDpi xmlns:a14="http://schemas.microsoft.com/office/drawing/2010/main" val="0"/>
@@ -7286,10 +6085,10 @@
       </p:pic>
       <p:pic>
         <p:nvPicPr>
-          <p:cNvPr id="12" name="Resim 11">
-            <a:extLst>
-              <a:ext uri="{FF2B5EF4-FFF2-40B4-BE49-F238E27FC236}">
-                <a16:creationId xmlns:a16="http://schemas.microsoft.com/office/drawing/2014/main" id="{5D825AB2-CE28-4321-9FE1-C078D7AABE5E}"/>
+          <p:cNvPr id="3" name="Resim 2">
+            <a:extLst>
+              <a:ext uri="{FF2B5EF4-FFF2-40B4-BE49-F238E27FC236}">
+                <a16:creationId xmlns:a16="http://schemas.microsoft.com/office/drawing/2014/main" id="{88780C3A-BF2A-4D40-9EF8-D06C3A7D71DE}"/>
               </a:ext>
             </a:extLst>
           </p:cNvPr>
@@ -7299,15 +6098,15 @@
           <p:nvPr/>
         </p:nvPicPr>
         <p:blipFill>
-          <a:blip r:embed="rId4"/>
+          <a:blip r:embed="rId3"/>
           <a:stretch>
             <a:fillRect/>
           </a:stretch>
         </p:blipFill>
         <p:spPr>
           <a:xfrm>
-            <a:off x="2469397" y="1690688"/>
-            <a:ext cx="7253206" cy="3730550"/>
+            <a:off x="2662377" y="1806348"/>
+            <a:ext cx="6867245" cy="3536361"/>
           </a:xfrm>
           <a:prstGeom prst="rect">
             <a:avLst/>
@@ -7366,13 +6165,96 @@
           <a:lstStyle/>
           <a:p>
             <a:r>
+              <a:rPr lang="tr-TR" dirty="0"/>
+              <a:t>Test </a:t>
+            </a:r>
+            <a:r>
               <a:rPr lang="tr-TR" dirty="0" err="1"/>
-              <a:t>Communication</a:t>
-            </a:r>
+              <a:t>Results</a:t>
+            </a:r>
+            <a:endParaRPr lang="en-GB" dirty="0"/>
+          </a:p>
+        </p:txBody>
+      </p:sp>
+      <p:sp>
+        <p:nvSpPr>
+          <p:cNvPr id="3" name="İçerik Yer Tutucusu 2">
+            <a:extLst>
+              <a:ext uri="{FF2B5EF4-FFF2-40B4-BE49-F238E27FC236}">
+                <a16:creationId xmlns:a16="http://schemas.microsoft.com/office/drawing/2014/main" id="{7FC0CAE0-9CE1-4889-B203-4204849094A3}"/>
+              </a:ext>
+            </a:extLst>
+          </p:cNvPr>
+          <p:cNvSpPr>
+            <a:spLocks noGrp="1"/>
+          </p:cNvSpPr>
+          <p:nvPr>
+            <p:ph idx="1"/>
+          </p:nvPr>
+        </p:nvSpPr>
+        <p:spPr/>
+        <p:txBody>
+          <a:bodyPr/>
+          <a:lstStyle/>
+          <a:p>
             <a:r>
               <a:rPr lang="tr-TR" dirty="0"/>
-              <a:t> Protocol</a:t>
-            </a:r>
+              <a:t>NRF </a:t>
+            </a:r>
+            <a:r>
+              <a:rPr lang="tr-TR" dirty="0" err="1"/>
+              <a:t>modules</a:t>
+            </a:r>
+            <a:r>
+              <a:rPr lang="tr-TR" dirty="0"/>
+              <a:t> </a:t>
+            </a:r>
+            <a:r>
+              <a:rPr lang="tr-TR" dirty="0" err="1"/>
+              <a:t>with</a:t>
+            </a:r>
+            <a:r>
+              <a:rPr lang="tr-TR" dirty="0"/>
+              <a:t> </a:t>
+            </a:r>
+            <a:r>
+              <a:rPr lang="tr-TR" dirty="0" err="1"/>
+              <a:t>Linear</a:t>
+            </a:r>
+            <a:r>
+              <a:rPr lang="tr-TR" dirty="0"/>
+              <a:t> </a:t>
+            </a:r>
+            <a:r>
+              <a:rPr lang="tr-TR" dirty="0" err="1"/>
+              <a:t>Antennas</a:t>
+            </a:r>
+            <a:endParaRPr lang="tr-TR" dirty="0"/>
+          </a:p>
+          <a:p>
+            <a:r>
+              <a:rPr lang="tr-TR" dirty="0" err="1"/>
+              <a:t>Outdoor</a:t>
+            </a:r>
+            <a:r>
+              <a:rPr lang="tr-TR" dirty="0"/>
+              <a:t> =  1 km </a:t>
+            </a:r>
+          </a:p>
+          <a:p>
+            <a:r>
+              <a:rPr lang="tr-TR" dirty="0" err="1"/>
+              <a:t>Indoor</a:t>
+            </a:r>
+            <a:r>
+              <a:rPr lang="tr-TR" dirty="0"/>
+              <a:t> = 100 m</a:t>
+            </a:r>
+          </a:p>
+          <a:p>
+            <a:endParaRPr lang="tr-TR" dirty="0"/>
+          </a:p>
+          <a:p>
             <a:endParaRPr lang="en-GB" dirty="0"/>
           </a:p>
         </p:txBody>
@@ -7392,7 +6274,7 @@
           <p:nvPr/>
         </p:nvPicPr>
         <p:blipFill>
-          <a:blip r:embed="rId3">
+          <a:blip r:embed="rId2">
             <a:extLst>
               <a:ext uri="{28A0092B-C50C-407E-A947-70E740481C1C}">
                 <a14:useLocalDpi xmlns:a14="http://schemas.microsoft.com/office/drawing/2010/main" val="0"/>
@@ -7415,22 +6297,18 @@
       </p:pic>
       <p:pic>
         <p:nvPicPr>
-          <p:cNvPr id="11" name="Picture 38" descr="https://lh3.googleusercontent.com/Ty3FycAIkvXZ0WxCCCTr35eGegDpxXFVTlyPiVnQSjHSqTEFoOXxm3rGc-TC-WnNBT5JiYq6J4e4WQfQoeyjclByePdeZtKqrzwtO-TMZL69ZpVjOr3y0eeApwnfG9WNO_tgjfYu">
-            <a:extLst>
-              <a:ext uri="{FF2B5EF4-FFF2-40B4-BE49-F238E27FC236}">
-                <a16:creationId xmlns:a16="http://schemas.microsoft.com/office/drawing/2014/main" id="{CE61921D-1D95-46E1-AF87-E6507C0539C3}"/>
-              </a:ext>
-            </a:extLst>
-          </p:cNvPr>
-          <p:cNvPicPr>
-            <a:picLocks noGrp="1"/>
-          </p:cNvPicPr>
-          <p:nvPr>
-            <p:ph idx="1"/>
-          </p:nvPr>
+          <p:cNvPr id="6" name="Picture 35" descr="https://lh3.googleusercontent.com/4Tns5oUgoL_CpAJ7ipwnKaRrZs27l1hNvZAmuFcZ2Z5qhonK2m24avYueEaxXdbikMEdPfGDPkz9NNPMChn65H8BD6mDL05-kAOZ-2KPnyo0_xZ8wbZQO5rpp8bR663yZ8RXbZOW">
+            <a:extLst>
+              <a:ext uri="{FF2B5EF4-FFF2-40B4-BE49-F238E27FC236}">
+                <a16:creationId xmlns:a16="http://schemas.microsoft.com/office/drawing/2014/main" id="{CC4B9426-71D6-430D-859B-0168791B835F}"/>
+              </a:ext>
+            </a:extLst>
+          </p:cNvPr>
+          <p:cNvPicPr/>
+          <p:nvPr/>
         </p:nvPicPr>
         <p:blipFill>
-          <a:blip r:embed="rId4">
+          <a:blip r:embed="rId3">
             <a:extLst>
               <a:ext uri="{28A0092B-C50C-407E-A947-70E740481C1C}">
                 <a14:useLocalDpi xmlns:a14="http://schemas.microsoft.com/office/drawing/2010/main" val="0"/>
@@ -7443,9 +6321,48 @@
           </a:stretch>
         </p:blipFill>
         <p:spPr bwMode="auto">
-          <a:xfrm>
-            <a:off x="2305050" y="2075407"/>
-            <a:ext cx="7581900" cy="2781300"/>
+          <a:xfrm rot="20113339">
+            <a:off x="5725374" y="2093864"/>
+            <a:ext cx="3287486" cy="2253674"/>
+          </a:xfrm>
+          <a:prstGeom prst="rect">
+            <a:avLst/>
+          </a:prstGeom>
+          <a:noFill/>
+          <a:ln>
+            <a:noFill/>
+          </a:ln>
+        </p:spPr>
+      </p:pic>
+      <p:pic>
+        <p:nvPicPr>
+          <p:cNvPr id="8" name="Picture 21" descr="https://lh6.googleusercontent.com/dTphQIpJzm6FkEtrkPDuQZEQ3Z3721EKnc7JbGKAuIuilIzrn4q2E89HM9xRX4gZppEiBh_GJtSd6ugwmCYvrwNWFIsN_6Y8mxcDenKuTRmSEQ5r1oN6mcZ7ohxLTVs8LCefNW5L">
+            <a:extLst>
+              <a:ext uri="{FF2B5EF4-FFF2-40B4-BE49-F238E27FC236}">
+                <a16:creationId xmlns:a16="http://schemas.microsoft.com/office/drawing/2014/main" id="{A893F769-4794-41FD-9456-6D50DD68AA6B}"/>
+              </a:ext>
+            </a:extLst>
+          </p:cNvPr>
+          <p:cNvPicPr/>
+          <p:nvPr/>
+        </p:nvPicPr>
+        <p:blipFill>
+          <a:blip r:embed="rId4">
+            <a:extLst>
+              <a:ext uri="{28A0092B-C50C-407E-A947-70E740481C1C}">
+                <a14:useLocalDpi xmlns:a14="http://schemas.microsoft.com/office/drawing/2010/main" val="0"/>
+              </a:ext>
+            </a:extLst>
+          </a:blip>
+          <a:srcRect/>
+          <a:stretch>
+            <a:fillRect/>
+          </a:stretch>
+        </p:blipFill>
+        <p:spPr bwMode="auto">
+          <a:xfrm rot="21153337" flipH="1">
+            <a:off x="6812634" y="4453949"/>
+            <a:ext cx="1518833" cy="1207233"/>
           </a:xfrm>
           <a:prstGeom prst="rect">
             <a:avLst/>
@@ -7459,7 +6376,7 @@
     </p:spTree>
     <p:extLst>
       <p:ext uri="{BB962C8B-B14F-4D97-AF65-F5344CB8AC3E}">
-        <p14:creationId xmlns:p14="http://schemas.microsoft.com/office/powerpoint/2010/main" val="2965226361"/>
+        <p14:creationId xmlns:p14="http://schemas.microsoft.com/office/powerpoint/2010/main" val="3552988792"/>
       </p:ext>
     </p:extLst>
   </p:cSld>

--- a/Troy Tech - Presentation/TROY - Kağan.pptx
+++ b/Troy Tech - Presentation/TROY - Kağan.pptx
@@ -208,7 +208,7 @@
           <a:p>
             <a:fld id="{00300142-A8A4-4986-ACA3-5B34693C5658}" type="datetimeFigureOut">
               <a:rPr lang="en-GB" smtClean="0"/>
-              <a:t>27/12/2018</a:t>
+              <a:t>28/12/2018</a:t>
             </a:fld>
             <a:endParaRPr lang="en-GB"/>
           </a:p>
@@ -625,7 +625,7 @@
           <a:p>
             <a:fld id="{4DEEB615-8505-4850-8F2D-DDA58E767753}" type="datetimeFigureOut">
               <a:rPr lang="en-GB" smtClean="0"/>
-              <a:t>27/12/2018</a:t>
+              <a:t>28/12/2018</a:t>
             </a:fld>
             <a:endParaRPr lang="en-GB"/>
           </a:p>
@@ -825,7 +825,7 @@
           <a:p>
             <a:fld id="{4DEEB615-8505-4850-8F2D-DDA58E767753}" type="datetimeFigureOut">
               <a:rPr lang="en-GB" smtClean="0"/>
-              <a:t>27/12/2018</a:t>
+              <a:t>28/12/2018</a:t>
             </a:fld>
             <a:endParaRPr lang="en-GB"/>
           </a:p>
@@ -1035,7 +1035,7 @@
           <a:p>
             <a:fld id="{4DEEB615-8505-4850-8F2D-DDA58E767753}" type="datetimeFigureOut">
               <a:rPr lang="en-GB" smtClean="0"/>
-              <a:t>27/12/2018</a:t>
+              <a:t>28/12/2018</a:t>
             </a:fld>
             <a:endParaRPr lang="en-GB"/>
           </a:p>
@@ -1235,7 +1235,7 @@
           <a:p>
             <a:fld id="{4DEEB615-8505-4850-8F2D-DDA58E767753}" type="datetimeFigureOut">
               <a:rPr lang="en-GB" smtClean="0"/>
-              <a:t>27/12/2018</a:t>
+              <a:t>28/12/2018</a:t>
             </a:fld>
             <a:endParaRPr lang="en-GB"/>
           </a:p>
@@ -1511,7 +1511,7 @@
           <a:p>
             <a:fld id="{4DEEB615-8505-4850-8F2D-DDA58E767753}" type="datetimeFigureOut">
               <a:rPr lang="en-GB" smtClean="0"/>
-              <a:t>27/12/2018</a:t>
+              <a:t>28/12/2018</a:t>
             </a:fld>
             <a:endParaRPr lang="en-GB"/>
           </a:p>
@@ -1779,7 +1779,7 @@
           <a:p>
             <a:fld id="{4DEEB615-8505-4850-8F2D-DDA58E767753}" type="datetimeFigureOut">
               <a:rPr lang="en-GB" smtClean="0"/>
-              <a:t>27/12/2018</a:t>
+              <a:t>28/12/2018</a:t>
             </a:fld>
             <a:endParaRPr lang="en-GB"/>
           </a:p>
@@ -2194,7 +2194,7 @@
           <a:p>
             <a:fld id="{4DEEB615-8505-4850-8F2D-DDA58E767753}" type="datetimeFigureOut">
               <a:rPr lang="en-GB" smtClean="0"/>
-              <a:t>27/12/2018</a:t>
+              <a:t>28/12/2018</a:t>
             </a:fld>
             <a:endParaRPr lang="en-GB"/>
           </a:p>
@@ -2336,7 +2336,7 @@
           <a:p>
             <a:fld id="{4DEEB615-8505-4850-8F2D-DDA58E767753}" type="datetimeFigureOut">
               <a:rPr lang="en-GB" smtClean="0"/>
-              <a:t>27/12/2018</a:t>
+              <a:t>28/12/2018</a:t>
             </a:fld>
             <a:endParaRPr lang="en-GB"/>
           </a:p>
@@ -2449,7 +2449,7 @@
           <a:p>
             <a:fld id="{4DEEB615-8505-4850-8F2D-DDA58E767753}" type="datetimeFigureOut">
               <a:rPr lang="en-GB" smtClean="0"/>
-              <a:t>27/12/2018</a:t>
+              <a:t>28/12/2018</a:t>
             </a:fld>
             <a:endParaRPr lang="en-GB"/>
           </a:p>
@@ -2762,7 +2762,7 @@
           <a:p>
             <a:fld id="{4DEEB615-8505-4850-8F2D-DDA58E767753}" type="datetimeFigureOut">
               <a:rPr lang="en-GB" smtClean="0"/>
-              <a:t>27/12/2018</a:t>
+              <a:t>28/12/2018</a:t>
             </a:fld>
             <a:endParaRPr lang="en-GB"/>
           </a:p>
@@ -3051,7 +3051,7 @@
           <a:p>
             <a:fld id="{4DEEB615-8505-4850-8F2D-DDA58E767753}" type="datetimeFigureOut">
               <a:rPr lang="en-GB" smtClean="0"/>
-              <a:t>27/12/2018</a:t>
+              <a:t>28/12/2018</a:t>
             </a:fld>
             <a:endParaRPr lang="en-GB"/>
           </a:p>
@@ -3294,7 +3294,7 @@
           <a:p>
             <a:fld id="{4DEEB615-8505-4850-8F2D-DDA58E767753}" type="datetimeFigureOut">
               <a:rPr lang="en-GB" smtClean="0"/>
-              <a:t>27/12/2018</a:t>
+              <a:t>28/12/2018</a:t>
             </a:fld>
             <a:endParaRPr lang="en-GB"/>
           </a:p>
@@ -4319,7 +4319,27 @@
             </a:r>
             <a:r>
               <a:rPr lang="en-US" sz="1600" dirty="0"/>
-              <a:t> Section for related settings.</a:t>
+              <a:t> </a:t>
+            </a:r>
+            <a:r>
+              <a:rPr lang="tr-TR" sz="1600" dirty="0"/>
+              <a:t>S</a:t>
+            </a:r>
+            <a:r>
+              <a:rPr lang="en-US" sz="1600" dirty="0" err="1"/>
+              <a:t>etting</a:t>
+            </a:r>
+            <a:r>
+              <a:rPr lang="tr-TR" sz="1600" dirty="0"/>
+              <a:t>s </a:t>
+            </a:r>
+            <a:r>
+              <a:rPr lang="tr-TR" sz="1600" dirty="0" err="1"/>
+              <a:t>section</a:t>
+            </a:r>
+            <a:r>
+              <a:rPr lang="tr-TR" sz="1600" dirty="0"/>
+              <a:t>.</a:t>
             </a:r>
             <a:endParaRPr lang="en-GB" sz="1800" dirty="0"/>
           </a:p>
@@ -4987,7 +5007,7 @@
         </p:nvSpPr>
         <p:spPr>
           <a:xfrm>
-            <a:off x="881569" y="1716236"/>
+            <a:off x="838200" y="1845930"/>
             <a:ext cx="10428861" cy="4113858"/>
           </a:xfrm>
         </p:spPr>
@@ -5017,9 +5037,6 @@
             </a:r>
           </a:p>
           <a:p>
-            <a:endParaRPr lang="tr-TR" dirty="0"/>
-          </a:p>
-          <a:p>
             <a:r>
               <a:rPr lang="tr-TR" dirty="0" err="1"/>
               <a:t>Easy</a:t>
@@ -5043,9 +5060,6 @@
             <a:endParaRPr lang="tr-TR" dirty="0"/>
           </a:p>
           <a:p>
-            <a:endParaRPr lang="tr-TR" dirty="0"/>
-          </a:p>
-          <a:p>
             <a:r>
               <a:rPr lang="tr-TR" dirty="0"/>
               <a:t>Plug </a:t>
@@ -5078,9 +5092,6 @@
               <a:rPr lang="tr-TR" dirty="0" err="1"/>
               <a:t>cable</a:t>
             </a:r>
-            <a:endParaRPr lang="tr-TR" dirty="0"/>
-          </a:p>
-          <a:p>
             <a:endParaRPr lang="tr-TR" dirty="0"/>
           </a:p>
           <a:p>
@@ -5846,7 +5857,7 @@
             <a:pPr lvl="1" fontAlgn="base"/>
             <a:r>
               <a:rPr lang="en-US" sz="2000" dirty="0"/>
-              <a:t>2.4ghz antennas are also very cheap.</a:t>
+              <a:t>2.4ghz antennas are also very cheap</a:t>
             </a:r>
             <a:endParaRPr lang="en-GB" dirty="0"/>
           </a:p>
@@ -5868,10 +5879,7 @@
               <a:rPr lang="tr-TR" sz="2000" dirty="0" err="1"/>
               <a:t>protocol</a:t>
             </a:r>
-            <a:r>
-              <a:rPr lang="tr-TR" sz="2000" dirty="0"/>
-              <a:t>.</a:t>
-            </a:r>
+            <a:endParaRPr lang="tr-TR" sz="2000" dirty="0"/>
           </a:p>
           <a:p>
             <a:pPr lvl="1" fontAlgn="base"/>
@@ -5888,7 +5896,7 @@
               <a:t> </a:t>
             </a:r>
             <a:r>
-              <a:rPr lang="tr-TR" sz="2000"/>
+              <a:rPr lang="tr-TR" sz="2000" dirty="0" err="1"/>
               <a:t>use</a:t>
             </a:r>
             <a:endParaRPr lang="tr-TR" sz="2000" dirty="0"/>
@@ -6085,10 +6093,10 @@
       </p:pic>
       <p:pic>
         <p:nvPicPr>
-          <p:cNvPr id="3" name="Resim 2">
-            <a:extLst>
-              <a:ext uri="{FF2B5EF4-FFF2-40B4-BE49-F238E27FC236}">
-                <a16:creationId xmlns:a16="http://schemas.microsoft.com/office/drawing/2014/main" id="{88780C3A-BF2A-4D40-9EF8-D06C3A7D71DE}"/>
+          <p:cNvPr id="5" name="Resim 4">
+            <a:extLst>
+              <a:ext uri="{FF2B5EF4-FFF2-40B4-BE49-F238E27FC236}">
+                <a16:creationId xmlns:a16="http://schemas.microsoft.com/office/drawing/2014/main" id="{140C1461-E78A-49A9-A9B7-49C37776B074}"/>
               </a:ext>
             </a:extLst>
           </p:cNvPr>
@@ -6105,8 +6113,8 @@
         </p:blipFill>
         <p:spPr>
           <a:xfrm>
-            <a:off x="2662377" y="1806348"/>
-            <a:ext cx="6867245" cy="3536361"/>
+            <a:off x="2778612" y="1720221"/>
+            <a:ext cx="6634775" cy="3417557"/>
           </a:xfrm>
           <a:prstGeom prst="rect">
             <a:avLst/>
@@ -6207,7 +6215,7 @@
             </a:r>
             <a:r>
               <a:rPr lang="tr-TR" dirty="0"/>
-              <a:t> </a:t>
+              <a:t>  </a:t>
             </a:r>
             <a:r>
               <a:rPr lang="tr-TR" dirty="0" err="1"/>
@@ -6215,7 +6223,7 @@
             </a:r>
             <a:r>
               <a:rPr lang="tr-TR" dirty="0"/>
-              <a:t> </a:t>
+              <a:t>  15dBi </a:t>
             </a:r>
             <a:r>
               <a:rPr lang="tr-TR" dirty="0" err="1"/>
@@ -6229,6 +6237,9 @@
               <a:rPr lang="tr-TR" dirty="0" err="1"/>
               <a:t>Antennas</a:t>
             </a:r>
+            <a:endParaRPr lang="tr-TR" dirty="0"/>
+          </a:p>
+          <a:p>
             <a:endParaRPr lang="tr-TR" dirty="0"/>
           </a:p>
           <a:p>
@@ -6321,8 +6332,8 @@
           </a:stretch>
         </p:blipFill>
         <p:spPr bwMode="auto">
-          <a:xfrm rot="20113339">
-            <a:off x="5725374" y="2093864"/>
+          <a:xfrm rot="2274975" flipH="1">
+            <a:off x="8345651" y="1780208"/>
             <a:ext cx="3287486" cy="2253674"/>
           </a:xfrm>
           <a:prstGeom prst="rect">
@@ -6360,8 +6371,8 @@
           </a:stretch>
         </p:blipFill>
         <p:spPr bwMode="auto">
-          <a:xfrm rot="21153337" flipH="1">
-            <a:off x="6812634" y="4453949"/>
+          <a:xfrm rot="613880">
+            <a:off x="8715325" y="4202497"/>
             <a:ext cx="1518833" cy="1207233"/>
           </a:xfrm>
           <a:prstGeom prst="rect">

--- a/Troy Tech - Presentation/TROY - Kağan.pptx
+++ b/Troy Tech - Presentation/TROY - Kağan.pptx
@@ -474,6 +474,90 @@
     </a:lvl9pPr>
   </p:notesStyle>
 </p:notesMaster>
+</file>
+
+<file path=ppt/notesSlides/notesSlide1.xml><?xml version="1.0" encoding="utf-8"?>
+<p:notes xmlns:a="http://schemas.openxmlformats.org/drawingml/2006/main" xmlns:r="http://schemas.openxmlformats.org/officeDocument/2006/relationships" xmlns:p="http://schemas.openxmlformats.org/presentationml/2006/main">
+  <p:cSld>
+    <p:spTree>
+      <p:nvGrpSpPr>
+        <p:cNvPr id="1" name=""/>
+        <p:cNvGrpSpPr/>
+        <p:nvPr/>
+      </p:nvGrpSpPr>
+      <p:grpSpPr>
+        <a:xfrm>
+          <a:off x="0" y="0"/>
+          <a:ext cx="0" cy="0"/>
+          <a:chOff x="0" y="0"/>
+          <a:chExt cx="0" cy="0"/>
+        </a:xfrm>
+      </p:grpSpPr>
+      <p:sp>
+        <p:nvSpPr>
+          <p:cNvPr id="2" name="Slayt Resmi Yer Tutucusu 1"/>
+          <p:cNvSpPr>
+            <a:spLocks noGrp="1" noRot="1" noChangeAspect="1"/>
+          </p:cNvSpPr>
+          <p:nvPr>
+            <p:ph type="sldImg"/>
+          </p:nvPr>
+        </p:nvSpPr>
+        <p:spPr/>
+      </p:sp>
+      <p:sp>
+        <p:nvSpPr>
+          <p:cNvPr id="3" name="Not Yer Tutucusu 2"/>
+          <p:cNvSpPr>
+            <a:spLocks noGrp="1"/>
+          </p:cNvSpPr>
+          <p:nvPr>
+            <p:ph type="body" idx="1"/>
+          </p:nvPr>
+        </p:nvSpPr>
+        <p:spPr/>
+        <p:txBody>
+          <a:bodyPr/>
+          <a:lstStyle/>
+          <a:p>
+            <a:endParaRPr lang="en-GB" dirty="0"/>
+          </a:p>
+        </p:txBody>
+      </p:sp>
+      <p:sp>
+        <p:nvSpPr>
+          <p:cNvPr id="4" name="Slayt Numarası Yer Tutucusu 3"/>
+          <p:cNvSpPr>
+            <a:spLocks noGrp="1"/>
+          </p:cNvSpPr>
+          <p:nvPr>
+            <p:ph type="sldNum" sz="quarter" idx="10"/>
+          </p:nvPr>
+        </p:nvSpPr>
+        <p:spPr/>
+        <p:txBody>
+          <a:bodyPr/>
+          <a:lstStyle/>
+          <a:p>
+            <a:fld id="{704DACD0-B245-468E-987B-01EDCAB0BDB7}" type="slidenum">
+              <a:rPr lang="en-GB" smtClean="0"/>
+              <a:t>12</a:t>
+            </a:fld>
+            <a:endParaRPr lang="en-GB"/>
+          </a:p>
+        </p:txBody>
+      </p:sp>
+    </p:spTree>
+    <p:extLst>
+      <p:ext uri="{BB962C8B-B14F-4D97-AF65-F5344CB8AC3E}">
+        <p14:creationId xmlns:p14="http://schemas.microsoft.com/office/powerpoint/2010/main" val="1949797709"/>
+      </p:ext>
+    </p:extLst>
+  </p:cSld>
+  <p:clrMapOvr>
+    <a:masterClrMapping/>
+  </p:clrMapOvr>
+</p:notes>
 </file>
 
 <file path=ppt/slideLayouts/slideLayout1.xml><?xml version="1.0" encoding="utf-8"?>
@@ -4463,7 +4547,7 @@
           </p:nvPr>
         </p:nvPicPr>
         <p:blipFill rotWithShape="1">
-          <a:blip r:embed="rId2">
+          <a:blip r:embed="rId3">
             <a:extLst>
               <a:ext uri="{28A0092B-C50C-407E-A947-70E740481C1C}">
                 <a14:useLocalDpi xmlns:a14="http://schemas.microsoft.com/office/drawing/2010/main" val="0"/>
@@ -4475,7 +4559,7 @@
         </p:blipFill>
         <p:spPr>
           <a:xfrm>
-            <a:off x="3934834" y="1690688"/>
+            <a:off x="1139382" y="1463924"/>
             <a:ext cx="4322332" cy="3930152"/>
           </a:xfrm>
         </p:spPr>
@@ -4495,7 +4579,7 @@
           <p:nvPr/>
         </p:nvPicPr>
         <p:blipFill>
-          <a:blip r:embed="rId3">
+          <a:blip r:embed="rId4">
             <a:extLst>
               <a:ext uri="{28A0092B-C50C-407E-A947-70E740481C1C}">
                 <a14:useLocalDpi xmlns:a14="http://schemas.microsoft.com/office/drawing/2010/main" val="0"/>
@@ -4514,6 +4598,53 @@
           <a:prstGeom prst="rect">
             <a:avLst/>
           </a:prstGeom>
+        </p:spPr>
+      </p:pic>
+      <p:pic>
+        <p:nvPicPr>
+          <p:cNvPr id="1026" name="Picture 2" descr="Video Games Kids GIF by Children's Miracle Network Hospitals">
+            <a:extLst>
+              <a:ext uri="{FF2B5EF4-FFF2-40B4-BE49-F238E27FC236}">
+                <a16:creationId xmlns:a16="http://schemas.microsoft.com/office/drawing/2014/main" id="{6F3BC109-093A-4E3D-B740-727ABF9073DE}"/>
+              </a:ext>
+            </a:extLst>
+          </p:cNvPr>
+          <p:cNvPicPr>
+            <a:picLocks noChangeAspect="1" noChangeArrowheads="1" noCrop="1"/>
+          </p:cNvPicPr>
+          <p:nvPr/>
+        </p:nvPicPr>
+        <p:blipFill>
+          <a:blip r:embed="rId5">
+            <a:extLst>
+              <a:ext uri="{28A0092B-C50C-407E-A947-70E740481C1C}">
+                <a14:useLocalDpi xmlns:a14="http://schemas.microsoft.com/office/drawing/2010/main" val="0"/>
+              </a:ext>
+            </a:extLst>
+          </a:blip>
+          <a:srcRect/>
+          <a:stretch>
+            <a:fillRect/>
+          </a:stretch>
+        </p:blipFill>
+        <p:spPr bwMode="auto">
+          <a:xfrm>
+            <a:off x="6480618" y="2256507"/>
+            <a:ext cx="4572000" cy="2571750"/>
+          </a:xfrm>
+          <a:prstGeom prst="rect">
+            <a:avLst/>
+          </a:prstGeom>
+          <a:noFill/>
+          <a:extLst>
+            <a:ext uri="{909E8E84-426E-40DD-AFC4-6F175D3DCCD1}">
+              <a14:hiddenFill xmlns:a14="http://schemas.microsoft.com/office/drawing/2010/main">
+                <a:solidFill>
+                  <a:srgbClr val="FFFFFF"/>
+                </a:solidFill>
+              </a14:hiddenFill>
+            </a:ext>
+          </a:extLst>
         </p:spPr>
       </p:pic>
     </p:spTree>
